--- a/output/figures/feature_weights_groupcorr.pptx
+++ b/output/figures/feature_weights_groupcorr.pptx
@@ -2,12 +2,12 @@
 <file path=ppt/presentation.xml><?xml version="1.0" encoding="utf-8"?>
 <p:presentation xmlns:a="http://schemas.openxmlformats.org/drawingml/2006/main" xmlns:r="http://schemas.openxmlformats.org/officeDocument/2006/relationships" xmlns:p="http://schemas.openxmlformats.org/presentationml/2006/main" saveSubsetFonts="1" autoCompressPictures="0">
   <p:sldMasterIdLst>
-    <p:sldMasterId id="2147483648" r:id="rId1"/>
+    <p:sldMasterId id="2147483660" r:id="rId1"/>
   </p:sldMasterIdLst>
   <p:sldIdLst>
     <p:sldId id="256" r:id="rId2"/>
   </p:sldIdLst>
-  <p:sldSz cx="12192000" cy="6858000"/>
+  <p:sldSz cx="14203363" cy="6858000"/>
   <p:notesSz cx="6858000" cy="9144000"/>
   <p:defaultTextStyle>
     <a:defPPr>
@@ -104,6 +104,11 @@
       </a:defRPr>
     </a:lvl9pPr>
   </p:defaultTextStyle>
+  <p:extLst>
+    <p:ext uri="{EFAFB233-063F-42B5-8137-9DF3F51BA10A}">
+      <p15:sldGuideLst xmlns:p15="http://schemas.microsoft.com/office/powerpoint/2012/main"/>
+    </p:ext>
+  </p:extLst>
 </p:presentation>
 </file>
 
@@ -126,13 +131,7 @@
       </p:grpSpPr>
       <p:sp>
         <p:nvSpPr>
-          <p:cNvPr id="2" name="Title 1">
-            <a:extLst>
-              <a:ext uri="{FF2B5EF4-FFF2-40B4-BE49-F238E27FC236}">
-                <a16:creationId xmlns:a16="http://schemas.microsoft.com/office/drawing/2014/main" id="{5B7BCF4B-6D00-574D-A01E-CABB80A3BA6F}"/>
-              </a:ext>
-            </a:extLst>
-          </p:cNvPr>
+          <p:cNvPr id="2" name="Title 1"/>
           <p:cNvSpPr>
             <a:spLocks noGrp="1"/>
           </p:cNvSpPr>
@@ -142,8 +141,8 @@
         </p:nvSpPr>
         <p:spPr>
           <a:xfrm>
-            <a:off x="1524000" y="1122363"/>
-            <a:ext cx="9144000" cy="2387600"/>
+            <a:off x="1775421" y="1122363"/>
+            <a:ext cx="10652522" cy="2387600"/>
           </a:xfrm>
         </p:spPr>
         <p:txBody>
@@ -158,18 +157,13 @@
               <a:rPr lang="en-US"/>
               <a:t>Click to edit Master title style</a:t>
             </a:r>
-          </a:p>
-        </p:txBody>
-      </p:sp>
-      <p:sp>
-        <p:nvSpPr>
-          <p:cNvPr id="3" name="Subtitle 2">
-            <a:extLst>
-              <a:ext uri="{FF2B5EF4-FFF2-40B4-BE49-F238E27FC236}">
-                <a16:creationId xmlns:a16="http://schemas.microsoft.com/office/drawing/2014/main" id="{103DDAEF-DB95-1B4E-978D-6273503C0868}"/>
-              </a:ext>
-            </a:extLst>
-          </p:cNvPr>
+            <a:endParaRPr lang="en-US" dirty="0"/>
+          </a:p>
+        </p:txBody>
+      </p:sp>
+      <p:sp>
+        <p:nvSpPr>
+          <p:cNvPr id="3" name="Subtitle 2"/>
           <p:cNvSpPr>
             <a:spLocks noGrp="1"/>
           </p:cNvSpPr>
@@ -179,8 +173,8 @@
         </p:nvSpPr>
         <p:spPr>
           <a:xfrm>
-            <a:off x="1524000" y="3602038"/>
-            <a:ext cx="9144000" cy="1655762"/>
+            <a:off x="1775421" y="3602038"/>
+            <a:ext cx="10652522" cy="1655762"/>
           </a:xfrm>
         </p:spPr>
         <p:txBody>
@@ -228,18 +222,13 @@
               <a:rPr lang="en-US"/>
               <a:t>Click to edit Master subtitle style</a:t>
             </a:r>
-          </a:p>
-        </p:txBody>
-      </p:sp>
-      <p:sp>
-        <p:nvSpPr>
-          <p:cNvPr id="4" name="Date Placeholder 3">
-            <a:extLst>
-              <a:ext uri="{FF2B5EF4-FFF2-40B4-BE49-F238E27FC236}">
-                <a16:creationId xmlns:a16="http://schemas.microsoft.com/office/drawing/2014/main" id="{45E3E836-D7F0-B142-9724-1A927EF48DFF}"/>
-              </a:ext>
-            </a:extLst>
-          </p:cNvPr>
+            <a:endParaRPr lang="en-US" dirty="0"/>
+          </a:p>
+        </p:txBody>
+      </p:sp>
+      <p:sp>
+        <p:nvSpPr>
+          <p:cNvPr id="4" name="Date Placeholder 3"/>
           <p:cNvSpPr>
             <a:spLocks noGrp="1"/>
           </p:cNvSpPr>
@@ -254,7 +243,7 @@
           <a:p>
             <a:fld id="{809CB8F7-B3EF-8D4B-85D3-DBAD16A6069C}" type="datetimeFigureOut">
               <a:rPr lang="en-US" smtClean="0"/>
-              <a:t>12/15/21</a:t>
+              <a:t>1/24/22</a:t>
             </a:fld>
             <a:endParaRPr lang="en-US"/>
           </a:p>
@@ -262,13 +251,7 @@
       </p:sp>
       <p:sp>
         <p:nvSpPr>
-          <p:cNvPr id="5" name="Footer Placeholder 4">
-            <a:extLst>
-              <a:ext uri="{FF2B5EF4-FFF2-40B4-BE49-F238E27FC236}">
-                <a16:creationId xmlns:a16="http://schemas.microsoft.com/office/drawing/2014/main" id="{F9100E9F-2B41-644B-A07C-E7C27E18769D}"/>
-              </a:ext>
-            </a:extLst>
-          </p:cNvPr>
+          <p:cNvPr id="5" name="Footer Placeholder 4"/>
           <p:cNvSpPr>
             <a:spLocks noGrp="1"/>
           </p:cNvSpPr>
@@ -287,13 +270,7 @@
       </p:sp>
       <p:sp>
         <p:nvSpPr>
-          <p:cNvPr id="6" name="Slide Number Placeholder 5">
-            <a:extLst>
-              <a:ext uri="{FF2B5EF4-FFF2-40B4-BE49-F238E27FC236}">
-                <a16:creationId xmlns:a16="http://schemas.microsoft.com/office/drawing/2014/main" id="{5CAC612A-9DE1-4D47-A9F2-11356307CB3E}"/>
-              </a:ext>
-            </a:extLst>
-          </p:cNvPr>
+          <p:cNvPr id="6" name="Slide Number Placeholder 5"/>
           <p:cNvSpPr>
             <a:spLocks noGrp="1"/>
           </p:cNvSpPr>
@@ -317,7 +294,7 @@
     </p:spTree>
     <p:extLst>
       <p:ext uri="{BB962C8B-B14F-4D97-AF65-F5344CB8AC3E}">
-        <p14:creationId xmlns:p14="http://schemas.microsoft.com/office/powerpoint/2010/main" val="1668480285"/>
+        <p14:creationId xmlns:p14="http://schemas.microsoft.com/office/powerpoint/2010/main" val="4100542366"/>
       </p:ext>
     </p:extLst>
   </p:cSld>
@@ -346,13 +323,7 @@
       </p:grpSpPr>
       <p:sp>
         <p:nvSpPr>
-          <p:cNvPr id="2" name="Title 1">
-            <a:extLst>
-              <a:ext uri="{FF2B5EF4-FFF2-40B4-BE49-F238E27FC236}">
-                <a16:creationId xmlns:a16="http://schemas.microsoft.com/office/drawing/2014/main" id="{FB646B61-71B9-A846-8235-572C5E345E88}"/>
-              </a:ext>
-            </a:extLst>
-          </p:cNvPr>
+          <p:cNvPr id="2" name="Title 1"/>
           <p:cNvSpPr>
             <a:spLocks noGrp="1"/>
           </p:cNvSpPr>
@@ -369,18 +340,13 @@
               <a:rPr lang="en-US"/>
               <a:t>Click to edit Master title style</a:t>
             </a:r>
-          </a:p>
-        </p:txBody>
-      </p:sp>
-      <p:sp>
-        <p:nvSpPr>
-          <p:cNvPr id="3" name="Vertical Text Placeholder 2">
-            <a:extLst>
-              <a:ext uri="{FF2B5EF4-FFF2-40B4-BE49-F238E27FC236}">
-                <a16:creationId xmlns:a16="http://schemas.microsoft.com/office/drawing/2014/main" id="{71665C40-E623-8B46-B4A0-87975BC53CFF}"/>
-              </a:ext>
-            </a:extLst>
-          </p:cNvPr>
+            <a:endParaRPr lang="en-US" dirty="0"/>
+          </a:p>
+        </p:txBody>
+      </p:sp>
+      <p:sp>
+        <p:nvSpPr>
+          <p:cNvPr id="3" name="Vertical Text Placeholder 2"/>
           <p:cNvSpPr>
             <a:spLocks noGrp="1"/>
           </p:cNvSpPr>
@@ -396,7 +362,7 @@
             <a:pPr lvl="0"/>
             <a:r>
               <a:rPr lang="en-US"/>
-              <a:t>Click to edit Master text styles</a:t>
+              <a:t>Edit Master text styles</a:t>
             </a:r>
           </a:p>
           <a:p>
@@ -426,18 +392,13 @@
               <a:rPr lang="en-US"/>
               <a:t>Fifth level</a:t>
             </a:r>
-          </a:p>
-        </p:txBody>
-      </p:sp>
-      <p:sp>
-        <p:nvSpPr>
-          <p:cNvPr id="4" name="Date Placeholder 3">
-            <a:extLst>
-              <a:ext uri="{FF2B5EF4-FFF2-40B4-BE49-F238E27FC236}">
-                <a16:creationId xmlns:a16="http://schemas.microsoft.com/office/drawing/2014/main" id="{244F5E46-B2F7-6F40-989C-4C20198BA309}"/>
-              </a:ext>
-            </a:extLst>
-          </p:cNvPr>
+            <a:endParaRPr lang="en-US" dirty="0"/>
+          </a:p>
+        </p:txBody>
+      </p:sp>
+      <p:sp>
+        <p:nvSpPr>
+          <p:cNvPr id="4" name="Date Placeholder 3"/>
           <p:cNvSpPr>
             <a:spLocks noGrp="1"/>
           </p:cNvSpPr>
@@ -452,7 +413,7 @@
           <a:p>
             <a:fld id="{809CB8F7-B3EF-8D4B-85D3-DBAD16A6069C}" type="datetimeFigureOut">
               <a:rPr lang="en-US" smtClean="0"/>
-              <a:t>12/15/21</a:t>
+              <a:t>1/24/22</a:t>
             </a:fld>
             <a:endParaRPr lang="en-US"/>
           </a:p>
@@ -460,13 +421,7 @@
       </p:sp>
       <p:sp>
         <p:nvSpPr>
-          <p:cNvPr id="5" name="Footer Placeholder 4">
-            <a:extLst>
-              <a:ext uri="{FF2B5EF4-FFF2-40B4-BE49-F238E27FC236}">
-                <a16:creationId xmlns:a16="http://schemas.microsoft.com/office/drawing/2014/main" id="{4426EDBF-3EDE-3742-B271-28985EC45BA1}"/>
-              </a:ext>
-            </a:extLst>
-          </p:cNvPr>
+          <p:cNvPr id="5" name="Footer Placeholder 4"/>
           <p:cNvSpPr>
             <a:spLocks noGrp="1"/>
           </p:cNvSpPr>
@@ -485,13 +440,7 @@
       </p:sp>
       <p:sp>
         <p:nvSpPr>
-          <p:cNvPr id="6" name="Slide Number Placeholder 5">
-            <a:extLst>
-              <a:ext uri="{FF2B5EF4-FFF2-40B4-BE49-F238E27FC236}">
-                <a16:creationId xmlns:a16="http://schemas.microsoft.com/office/drawing/2014/main" id="{0DFB0AC7-8750-D245-967F-317540CA15C6}"/>
-              </a:ext>
-            </a:extLst>
-          </p:cNvPr>
+          <p:cNvPr id="6" name="Slide Number Placeholder 5"/>
           <p:cNvSpPr>
             <a:spLocks noGrp="1"/>
           </p:cNvSpPr>
@@ -515,7 +464,7 @@
     </p:spTree>
     <p:extLst>
       <p:ext uri="{BB962C8B-B14F-4D97-AF65-F5344CB8AC3E}">
-        <p14:creationId xmlns:p14="http://schemas.microsoft.com/office/powerpoint/2010/main" val="3645041868"/>
+        <p14:creationId xmlns:p14="http://schemas.microsoft.com/office/powerpoint/2010/main" val="998557648"/>
       </p:ext>
     </p:extLst>
   </p:cSld>
@@ -544,13 +493,7 @@
       </p:grpSpPr>
       <p:sp>
         <p:nvSpPr>
-          <p:cNvPr id="2" name="Vertical Title 1">
-            <a:extLst>
-              <a:ext uri="{FF2B5EF4-FFF2-40B4-BE49-F238E27FC236}">
-                <a16:creationId xmlns:a16="http://schemas.microsoft.com/office/drawing/2014/main" id="{F1515CB3-39B7-0F48-8445-D4356E0DF41F}"/>
-              </a:ext>
-            </a:extLst>
-          </p:cNvPr>
+          <p:cNvPr id="2" name="Vertical Title 1"/>
           <p:cNvSpPr>
             <a:spLocks noGrp="1"/>
           </p:cNvSpPr>
@@ -560,8 +503,8 @@
         </p:nvSpPr>
         <p:spPr>
           <a:xfrm>
-            <a:off x="8724900" y="365125"/>
-            <a:ext cx="2628900" cy="5811838"/>
+            <a:off x="10164282" y="365125"/>
+            <a:ext cx="3062600" cy="5811838"/>
           </a:xfrm>
         </p:spPr>
         <p:txBody>
@@ -572,18 +515,13 @@
               <a:rPr lang="en-US"/>
               <a:t>Click to edit Master title style</a:t>
             </a:r>
-          </a:p>
-        </p:txBody>
-      </p:sp>
-      <p:sp>
-        <p:nvSpPr>
-          <p:cNvPr id="3" name="Vertical Text Placeholder 2">
-            <a:extLst>
-              <a:ext uri="{FF2B5EF4-FFF2-40B4-BE49-F238E27FC236}">
-                <a16:creationId xmlns:a16="http://schemas.microsoft.com/office/drawing/2014/main" id="{0B389A02-2E4F-7048-8500-6CC785798D63}"/>
-              </a:ext>
-            </a:extLst>
-          </p:cNvPr>
+            <a:endParaRPr lang="en-US" dirty="0"/>
+          </a:p>
+        </p:txBody>
+      </p:sp>
+      <p:sp>
+        <p:nvSpPr>
+          <p:cNvPr id="3" name="Vertical Text Placeholder 2"/>
           <p:cNvSpPr>
             <a:spLocks noGrp="1"/>
           </p:cNvSpPr>
@@ -593,8 +531,8 @@
         </p:nvSpPr>
         <p:spPr>
           <a:xfrm>
-            <a:off x="838200" y="365125"/>
-            <a:ext cx="7734300" cy="5811838"/>
+            <a:off x="976481" y="365125"/>
+            <a:ext cx="9010258" cy="5811838"/>
           </a:xfrm>
         </p:spPr>
         <p:txBody>
@@ -604,7 +542,7 @@
             <a:pPr lvl="0"/>
             <a:r>
               <a:rPr lang="en-US"/>
-              <a:t>Click to edit Master text styles</a:t>
+              <a:t>Edit Master text styles</a:t>
             </a:r>
           </a:p>
           <a:p>
@@ -634,18 +572,13 @@
               <a:rPr lang="en-US"/>
               <a:t>Fifth level</a:t>
             </a:r>
-          </a:p>
-        </p:txBody>
-      </p:sp>
-      <p:sp>
-        <p:nvSpPr>
-          <p:cNvPr id="4" name="Date Placeholder 3">
-            <a:extLst>
-              <a:ext uri="{FF2B5EF4-FFF2-40B4-BE49-F238E27FC236}">
-                <a16:creationId xmlns:a16="http://schemas.microsoft.com/office/drawing/2014/main" id="{100FEB5F-CF32-1847-9D40-CD54BDC45370}"/>
-              </a:ext>
-            </a:extLst>
-          </p:cNvPr>
+            <a:endParaRPr lang="en-US" dirty="0"/>
+          </a:p>
+        </p:txBody>
+      </p:sp>
+      <p:sp>
+        <p:nvSpPr>
+          <p:cNvPr id="4" name="Date Placeholder 3"/>
           <p:cNvSpPr>
             <a:spLocks noGrp="1"/>
           </p:cNvSpPr>
@@ -660,7 +593,7 @@
           <a:p>
             <a:fld id="{809CB8F7-B3EF-8D4B-85D3-DBAD16A6069C}" type="datetimeFigureOut">
               <a:rPr lang="en-US" smtClean="0"/>
-              <a:t>12/15/21</a:t>
+              <a:t>1/24/22</a:t>
             </a:fld>
             <a:endParaRPr lang="en-US"/>
           </a:p>
@@ -668,13 +601,7 @@
       </p:sp>
       <p:sp>
         <p:nvSpPr>
-          <p:cNvPr id="5" name="Footer Placeholder 4">
-            <a:extLst>
-              <a:ext uri="{FF2B5EF4-FFF2-40B4-BE49-F238E27FC236}">
-                <a16:creationId xmlns:a16="http://schemas.microsoft.com/office/drawing/2014/main" id="{5FD4666F-AE94-014B-8F58-3B54F6FBD302}"/>
-              </a:ext>
-            </a:extLst>
-          </p:cNvPr>
+          <p:cNvPr id="5" name="Footer Placeholder 4"/>
           <p:cNvSpPr>
             <a:spLocks noGrp="1"/>
           </p:cNvSpPr>
@@ -693,13 +620,7 @@
       </p:sp>
       <p:sp>
         <p:nvSpPr>
-          <p:cNvPr id="6" name="Slide Number Placeholder 5">
-            <a:extLst>
-              <a:ext uri="{FF2B5EF4-FFF2-40B4-BE49-F238E27FC236}">
-                <a16:creationId xmlns:a16="http://schemas.microsoft.com/office/drawing/2014/main" id="{B9E145E4-098E-8D4A-98F3-81E98EF7F3D0}"/>
-              </a:ext>
-            </a:extLst>
-          </p:cNvPr>
+          <p:cNvPr id="6" name="Slide Number Placeholder 5"/>
           <p:cNvSpPr>
             <a:spLocks noGrp="1"/>
           </p:cNvSpPr>
@@ -723,7 +644,7 @@
     </p:spTree>
     <p:extLst>
       <p:ext uri="{BB962C8B-B14F-4D97-AF65-F5344CB8AC3E}">
-        <p14:creationId xmlns:p14="http://schemas.microsoft.com/office/powerpoint/2010/main" val="1401159081"/>
+        <p14:creationId xmlns:p14="http://schemas.microsoft.com/office/powerpoint/2010/main" val="2481557144"/>
       </p:ext>
     </p:extLst>
   </p:cSld>
@@ -752,13 +673,7 @@
       </p:grpSpPr>
       <p:sp>
         <p:nvSpPr>
-          <p:cNvPr id="2" name="Title 1">
-            <a:extLst>
-              <a:ext uri="{FF2B5EF4-FFF2-40B4-BE49-F238E27FC236}">
-                <a16:creationId xmlns:a16="http://schemas.microsoft.com/office/drawing/2014/main" id="{0D102935-CD9E-1644-89B9-0629BEF85A2E}"/>
-              </a:ext>
-            </a:extLst>
-          </p:cNvPr>
+          <p:cNvPr id="2" name="Title 1"/>
           <p:cNvSpPr>
             <a:spLocks noGrp="1"/>
           </p:cNvSpPr>
@@ -775,18 +690,13 @@
               <a:rPr lang="en-US"/>
               <a:t>Click to edit Master title style</a:t>
             </a:r>
-          </a:p>
-        </p:txBody>
-      </p:sp>
-      <p:sp>
-        <p:nvSpPr>
-          <p:cNvPr id="3" name="Content Placeholder 2">
-            <a:extLst>
-              <a:ext uri="{FF2B5EF4-FFF2-40B4-BE49-F238E27FC236}">
-                <a16:creationId xmlns:a16="http://schemas.microsoft.com/office/drawing/2014/main" id="{E6B2E26E-0A20-AB4F-8A68-31B37C425280}"/>
-              </a:ext>
-            </a:extLst>
-          </p:cNvPr>
+            <a:endParaRPr lang="en-US" dirty="0"/>
+          </a:p>
+        </p:txBody>
+      </p:sp>
+      <p:sp>
+        <p:nvSpPr>
+          <p:cNvPr id="3" name="Content Placeholder 2"/>
           <p:cNvSpPr>
             <a:spLocks noGrp="1"/>
           </p:cNvSpPr>
@@ -802,7 +712,7 @@
             <a:pPr lvl="0"/>
             <a:r>
               <a:rPr lang="en-US"/>
-              <a:t>Click to edit Master text styles</a:t>
+              <a:t>Edit Master text styles</a:t>
             </a:r>
           </a:p>
           <a:p>
@@ -832,18 +742,13 @@
               <a:rPr lang="en-US"/>
               <a:t>Fifth level</a:t>
             </a:r>
-          </a:p>
-        </p:txBody>
-      </p:sp>
-      <p:sp>
-        <p:nvSpPr>
-          <p:cNvPr id="4" name="Date Placeholder 3">
-            <a:extLst>
-              <a:ext uri="{FF2B5EF4-FFF2-40B4-BE49-F238E27FC236}">
-                <a16:creationId xmlns:a16="http://schemas.microsoft.com/office/drawing/2014/main" id="{AF622548-6B32-F847-B71B-2D6C7960CFE9}"/>
-              </a:ext>
-            </a:extLst>
-          </p:cNvPr>
+            <a:endParaRPr lang="en-US" dirty="0"/>
+          </a:p>
+        </p:txBody>
+      </p:sp>
+      <p:sp>
+        <p:nvSpPr>
+          <p:cNvPr id="4" name="Date Placeholder 3"/>
           <p:cNvSpPr>
             <a:spLocks noGrp="1"/>
           </p:cNvSpPr>
@@ -858,7 +763,7 @@
           <a:p>
             <a:fld id="{809CB8F7-B3EF-8D4B-85D3-DBAD16A6069C}" type="datetimeFigureOut">
               <a:rPr lang="en-US" smtClean="0"/>
-              <a:t>12/15/21</a:t>
+              <a:t>1/24/22</a:t>
             </a:fld>
             <a:endParaRPr lang="en-US"/>
           </a:p>
@@ -866,13 +771,7 @@
       </p:sp>
       <p:sp>
         <p:nvSpPr>
-          <p:cNvPr id="5" name="Footer Placeholder 4">
-            <a:extLst>
-              <a:ext uri="{FF2B5EF4-FFF2-40B4-BE49-F238E27FC236}">
-                <a16:creationId xmlns:a16="http://schemas.microsoft.com/office/drawing/2014/main" id="{015D9E65-98BE-7D4A-8375-9E96D1821A59}"/>
-              </a:ext>
-            </a:extLst>
-          </p:cNvPr>
+          <p:cNvPr id="5" name="Footer Placeholder 4"/>
           <p:cNvSpPr>
             <a:spLocks noGrp="1"/>
           </p:cNvSpPr>
@@ -891,13 +790,7 @@
       </p:sp>
       <p:sp>
         <p:nvSpPr>
-          <p:cNvPr id="6" name="Slide Number Placeholder 5">
-            <a:extLst>
-              <a:ext uri="{FF2B5EF4-FFF2-40B4-BE49-F238E27FC236}">
-                <a16:creationId xmlns:a16="http://schemas.microsoft.com/office/drawing/2014/main" id="{84E227B0-1389-D747-B6CE-DBAE5AFD4721}"/>
-              </a:ext>
-            </a:extLst>
-          </p:cNvPr>
+          <p:cNvPr id="6" name="Slide Number Placeholder 5"/>
           <p:cNvSpPr>
             <a:spLocks noGrp="1"/>
           </p:cNvSpPr>
@@ -921,7 +814,7 @@
     </p:spTree>
     <p:extLst>
       <p:ext uri="{BB962C8B-B14F-4D97-AF65-F5344CB8AC3E}">
-        <p14:creationId xmlns:p14="http://schemas.microsoft.com/office/powerpoint/2010/main" val="1776577732"/>
+        <p14:creationId xmlns:p14="http://schemas.microsoft.com/office/powerpoint/2010/main" val="2846064104"/>
       </p:ext>
     </p:extLst>
   </p:cSld>
@@ -950,13 +843,7 @@
       </p:grpSpPr>
       <p:sp>
         <p:nvSpPr>
-          <p:cNvPr id="2" name="Title 1">
-            <a:extLst>
-              <a:ext uri="{FF2B5EF4-FFF2-40B4-BE49-F238E27FC236}">
-                <a16:creationId xmlns:a16="http://schemas.microsoft.com/office/drawing/2014/main" id="{EC78309E-939A-AD41-B656-652083F04F20}"/>
-              </a:ext>
-            </a:extLst>
-          </p:cNvPr>
+          <p:cNvPr id="2" name="Title 1"/>
           <p:cNvSpPr>
             <a:spLocks noGrp="1"/>
           </p:cNvSpPr>
@@ -966,8 +853,8 @@
         </p:nvSpPr>
         <p:spPr>
           <a:xfrm>
-            <a:off x="831850" y="1709738"/>
-            <a:ext cx="10515600" cy="2852737"/>
+            <a:off x="969083" y="1709739"/>
+            <a:ext cx="12250401" cy="2852737"/>
           </a:xfrm>
         </p:spPr>
         <p:txBody>
@@ -982,18 +869,13 @@
               <a:rPr lang="en-US"/>
               <a:t>Click to edit Master title style</a:t>
             </a:r>
-          </a:p>
-        </p:txBody>
-      </p:sp>
-      <p:sp>
-        <p:nvSpPr>
-          <p:cNvPr id="3" name="Text Placeholder 2">
-            <a:extLst>
-              <a:ext uri="{FF2B5EF4-FFF2-40B4-BE49-F238E27FC236}">
-                <a16:creationId xmlns:a16="http://schemas.microsoft.com/office/drawing/2014/main" id="{9B7AE1D2-EB41-4A41-8447-94BD3782D467}"/>
-              </a:ext>
-            </a:extLst>
-          </p:cNvPr>
+            <a:endParaRPr lang="en-US" dirty="0"/>
+          </a:p>
+        </p:txBody>
+      </p:sp>
+      <p:sp>
+        <p:nvSpPr>
+          <p:cNvPr id="3" name="Text Placeholder 2"/>
           <p:cNvSpPr>
             <a:spLocks noGrp="1"/>
           </p:cNvSpPr>
@@ -1003,8 +885,8 @@
         </p:nvSpPr>
         <p:spPr>
           <a:xfrm>
-            <a:off x="831850" y="4589463"/>
-            <a:ext cx="10515600" cy="1500187"/>
+            <a:off x="969083" y="4589464"/>
+            <a:ext cx="12250401" cy="1500187"/>
           </a:xfrm>
         </p:spPr>
         <p:txBody>
@@ -1105,20 +987,14 @@
             <a:pPr lvl="0"/>
             <a:r>
               <a:rPr lang="en-US"/>
-              <a:t>Click to edit Master text styles</a:t>
-            </a:r>
-          </a:p>
-        </p:txBody>
-      </p:sp>
-      <p:sp>
-        <p:nvSpPr>
-          <p:cNvPr id="4" name="Date Placeholder 3">
-            <a:extLst>
-              <a:ext uri="{FF2B5EF4-FFF2-40B4-BE49-F238E27FC236}">
-                <a16:creationId xmlns:a16="http://schemas.microsoft.com/office/drawing/2014/main" id="{ADE521A9-C2DF-DF44-82B0-E75361B7CCCD}"/>
-              </a:ext>
-            </a:extLst>
-          </p:cNvPr>
+              <a:t>Edit Master text styles</a:t>
+            </a:r>
+          </a:p>
+        </p:txBody>
+      </p:sp>
+      <p:sp>
+        <p:nvSpPr>
+          <p:cNvPr id="4" name="Date Placeholder 3"/>
           <p:cNvSpPr>
             <a:spLocks noGrp="1"/>
           </p:cNvSpPr>
@@ -1133,7 +1009,7 @@
           <a:p>
             <a:fld id="{809CB8F7-B3EF-8D4B-85D3-DBAD16A6069C}" type="datetimeFigureOut">
               <a:rPr lang="en-US" smtClean="0"/>
-              <a:t>12/15/21</a:t>
+              <a:t>1/24/22</a:t>
             </a:fld>
             <a:endParaRPr lang="en-US"/>
           </a:p>
@@ -1141,13 +1017,7 @@
       </p:sp>
       <p:sp>
         <p:nvSpPr>
-          <p:cNvPr id="5" name="Footer Placeholder 4">
-            <a:extLst>
-              <a:ext uri="{FF2B5EF4-FFF2-40B4-BE49-F238E27FC236}">
-                <a16:creationId xmlns:a16="http://schemas.microsoft.com/office/drawing/2014/main" id="{7957BEDC-CAFB-2443-A8DE-46727EB971C1}"/>
-              </a:ext>
-            </a:extLst>
-          </p:cNvPr>
+          <p:cNvPr id="5" name="Footer Placeholder 4"/>
           <p:cNvSpPr>
             <a:spLocks noGrp="1"/>
           </p:cNvSpPr>
@@ -1166,13 +1036,7 @@
       </p:sp>
       <p:sp>
         <p:nvSpPr>
-          <p:cNvPr id="6" name="Slide Number Placeholder 5">
-            <a:extLst>
-              <a:ext uri="{FF2B5EF4-FFF2-40B4-BE49-F238E27FC236}">
-                <a16:creationId xmlns:a16="http://schemas.microsoft.com/office/drawing/2014/main" id="{F5D495B8-5FAD-1F49-B347-3B744FD03CA1}"/>
-              </a:ext>
-            </a:extLst>
-          </p:cNvPr>
+          <p:cNvPr id="6" name="Slide Number Placeholder 5"/>
           <p:cNvSpPr>
             <a:spLocks noGrp="1"/>
           </p:cNvSpPr>
@@ -1196,7 +1060,7 @@
     </p:spTree>
     <p:extLst>
       <p:ext uri="{BB962C8B-B14F-4D97-AF65-F5344CB8AC3E}">
-        <p14:creationId xmlns:p14="http://schemas.microsoft.com/office/powerpoint/2010/main" val="578631329"/>
+        <p14:creationId xmlns:p14="http://schemas.microsoft.com/office/powerpoint/2010/main" val="595761133"/>
       </p:ext>
     </p:extLst>
   </p:cSld>
@@ -1225,13 +1089,7 @@
       </p:grpSpPr>
       <p:sp>
         <p:nvSpPr>
-          <p:cNvPr id="2" name="Title 1">
-            <a:extLst>
-              <a:ext uri="{FF2B5EF4-FFF2-40B4-BE49-F238E27FC236}">
-                <a16:creationId xmlns:a16="http://schemas.microsoft.com/office/drawing/2014/main" id="{E1BED21F-00F3-474B-97F0-D23D4B167219}"/>
-              </a:ext>
-            </a:extLst>
-          </p:cNvPr>
+          <p:cNvPr id="2" name="Title 1"/>
           <p:cNvSpPr>
             <a:spLocks noGrp="1"/>
           </p:cNvSpPr>
@@ -1248,18 +1106,13 @@
               <a:rPr lang="en-US"/>
               <a:t>Click to edit Master title style</a:t>
             </a:r>
-          </a:p>
-        </p:txBody>
-      </p:sp>
-      <p:sp>
-        <p:nvSpPr>
-          <p:cNvPr id="3" name="Content Placeholder 2">
-            <a:extLst>
-              <a:ext uri="{FF2B5EF4-FFF2-40B4-BE49-F238E27FC236}">
-                <a16:creationId xmlns:a16="http://schemas.microsoft.com/office/drawing/2014/main" id="{50B94C53-F8A8-7043-A982-13C364AF0F8D}"/>
-              </a:ext>
-            </a:extLst>
-          </p:cNvPr>
+            <a:endParaRPr lang="en-US" dirty="0"/>
+          </a:p>
+        </p:txBody>
+      </p:sp>
+      <p:sp>
+        <p:nvSpPr>
+          <p:cNvPr id="3" name="Content Placeholder 2"/>
           <p:cNvSpPr>
             <a:spLocks noGrp="1"/>
           </p:cNvSpPr>
@@ -1269,8 +1122,8 @@
         </p:nvSpPr>
         <p:spPr>
           <a:xfrm>
-            <a:off x="838200" y="1825625"/>
-            <a:ext cx="5181600" cy="4351338"/>
+            <a:off x="976481" y="1825625"/>
+            <a:ext cx="6036429" cy="4351338"/>
           </a:xfrm>
         </p:spPr>
         <p:txBody>
@@ -1280,7 +1133,7 @@
             <a:pPr lvl="0"/>
             <a:r>
               <a:rPr lang="en-US"/>
-              <a:t>Click to edit Master text styles</a:t>
+              <a:t>Edit Master text styles</a:t>
             </a:r>
           </a:p>
           <a:p>
@@ -1310,18 +1163,13 @@
               <a:rPr lang="en-US"/>
               <a:t>Fifth level</a:t>
             </a:r>
-          </a:p>
-        </p:txBody>
-      </p:sp>
-      <p:sp>
-        <p:nvSpPr>
-          <p:cNvPr id="4" name="Content Placeholder 3">
-            <a:extLst>
-              <a:ext uri="{FF2B5EF4-FFF2-40B4-BE49-F238E27FC236}">
-                <a16:creationId xmlns:a16="http://schemas.microsoft.com/office/drawing/2014/main" id="{341E6FC0-A1C0-5F42-9F4C-3F0D7185FB15}"/>
-              </a:ext>
-            </a:extLst>
-          </p:cNvPr>
+            <a:endParaRPr lang="en-US" dirty="0"/>
+          </a:p>
+        </p:txBody>
+      </p:sp>
+      <p:sp>
+        <p:nvSpPr>
+          <p:cNvPr id="4" name="Content Placeholder 3"/>
           <p:cNvSpPr>
             <a:spLocks noGrp="1"/>
           </p:cNvSpPr>
@@ -1331,8 +1179,8 @@
         </p:nvSpPr>
         <p:spPr>
           <a:xfrm>
-            <a:off x="6172200" y="1825625"/>
-            <a:ext cx="5181600" cy="4351338"/>
+            <a:off x="7190453" y="1825625"/>
+            <a:ext cx="6036429" cy="4351338"/>
           </a:xfrm>
         </p:spPr>
         <p:txBody>
@@ -1342,7 +1190,7 @@
             <a:pPr lvl="0"/>
             <a:r>
               <a:rPr lang="en-US"/>
-              <a:t>Click to edit Master text styles</a:t>
+              <a:t>Edit Master text styles</a:t>
             </a:r>
           </a:p>
           <a:p>
@@ -1372,18 +1220,13 @@
               <a:rPr lang="en-US"/>
               <a:t>Fifth level</a:t>
             </a:r>
-          </a:p>
-        </p:txBody>
-      </p:sp>
-      <p:sp>
-        <p:nvSpPr>
-          <p:cNvPr id="5" name="Date Placeholder 4">
-            <a:extLst>
-              <a:ext uri="{FF2B5EF4-FFF2-40B4-BE49-F238E27FC236}">
-                <a16:creationId xmlns:a16="http://schemas.microsoft.com/office/drawing/2014/main" id="{75B2EE5A-2AA0-B14B-8696-D90C31836996}"/>
-              </a:ext>
-            </a:extLst>
-          </p:cNvPr>
+            <a:endParaRPr lang="en-US" dirty="0"/>
+          </a:p>
+        </p:txBody>
+      </p:sp>
+      <p:sp>
+        <p:nvSpPr>
+          <p:cNvPr id="5" name="Date Placeholder 4"/>
           <p:cNvSpPr>
             <a:spLocks noGrp="1"/>
           </p:cNvSpPr>
@@ -1398,7 +1241,7 @@
           <a:p>
             <a:fld id="{809CB8F7-B3EF-8D4B-85D3-DBAD16A6069C}" type="datetimeFigureOut">
               <a:rPr lang="en-US" smtClean="0"/>
-              <a:t>12/15/21</a:t>
+              <a:t>1/24/22</a:t>
             </a:fld>
             <a:endParaRPr lang="en-US"/>
           </a:p>
@@ -1406,13 +1249,7 @@
       </p:sp>
       <p:sp>
         <p:nvSpPr>
-          <p:cNvPr id="6" name="Footer Placeholder 5">
-            <a:extLst>
-              <a:ext uri="{FF2B5EF4-FFF2-40B4-BE49-F238E27FC236}">
-                <a16:creationId xmlns:a16="http://schemas.microsoft.com/office/drawing/2014/main" id="{13867D45-688F-C549-9585-2B027D176B3A}"/>
-              </a:ext>
-            </a:extLst>
-          </p:cNvPr>
+          <p:cNvPr id="6" name="Footer Placeholder 5"/>
           <p:cNvSpPr>
             <a:spLocks noGrp="1"/>
           </p:cNvSpPr>
@@ -1431,13 +1268,7 @@
       </p:sp>
       <p:sp>
         <p:nvSpPr>
-          <p:cNvPr id="7" name="Slide Number Placeholder 6">
-            <a:extLst>
-              <a:ext uri="{FF2B5EF4-FFF2-40B4-BE49-F238E27FC236}">
-                <a16:creationId xmlns:a16="http://schemas.microsoft.com/office/drawing/2014/main" id="{51C95BFD-C469-A64E-AC8C-61C21CF736D1}"/>
-              </a:ext>
-            </a:extLst>
-          </p:cNvPr>
+          <p:cNvPr id="7" name="Slide Number Placeholder 6"/>
           <p:cNvSpPr>
             <a:spLocks noGrp="1"/>
           </p:cNvSpPr>
@@ -1461,7 +1292,7 @@
     </p:spTree>
     <p:extLst>
       <p:ext uri="{BB962C8B-B14F-4D97-AF65-F5344CB8AC3E}">
-        <p14:creationId xmlns:p14="http://schemas.microsoft.com/office/powerpoint/2010/main" val="3001998601"/>
+        <p14:creationId xmlns:p14="http://schemas.microsoft.com/office/powerpoint/2010/main" val="2088833743"/>
       </p:ext>
     </p:extLst>
   </p:cSld>
@@ -1490,13 +1321,7 @@
       </p:grpSpPr>
       <p:sp>
         <p:nvSpPr>
-          <p:cNvPr id="2" name="Title 1">
-            <a:extLst>
-              <a:ext uri="{FF2B5EF4-FFF2-40B4-BE49-F238E27FC236}">
-                <a16:creationId xmlns:a16="http://schemas.microsoft.com/office/drawing/2014/main" id="{34D22809-CC4B-E04C-98B6-BEB5454DD6AA}"/>
-              </a:ext>
-            </a:extLst>
-          </p:cNvPr>
+          <p:cNvPr id="2" name="Title 1"/>
           <p:cNvSpPr>
             <a:spLocks noGrp="1"/>
           </p:cNvSpPr>
@@ -1506,8 +1331,8 @@
         </p:nvSpPr>
         <p:spPr>
           <a:xfrm>
-            <a:off x="839788" y="365125"/>
-            <a:ext cx="10515600" cy="1325563"/>
+            <a:off x="978331" y="365126"/>
+            <a:ext cx="12250401" cy="1325563"/>
           </a:xfrm>
         </p:spPr>
         <p:txBody>
@@ -1518,18 +1343,13 @@
               <a:rPr lang="en-US"/>
               <a:t>Click to edit Master title style</a:t>
             </a:r>
-          </a:p>
-        </p:txBody>
-      </p:sp>
-      <p:sp>
-        <p:nvSpPr>
-          <p:cNvPr id="3" name="Text Placeholder 2">
-            <a:extLst>
-              <a:ext uri="{FF2B5EF4-FFF2-40B4-BE49-F238E27FC236}">
-                <a16:creationId xmlns:a16="http://schemas.microsoft.com/office/drawing/2014/main" id="{78E89F3E-71D2-AB48-AD3B-DB3C749BC73A}"/>
-              </a:ext>
-            </a:extLst>
-          </p:cNvPr>
+            <a:endParaRPr lang="en-US" dirty="0"/>
+          </a:p>
+        </p:txBody>
+      </p:sp>
+      <p:sp>
+        <p:nvSpPr>
+          <p:cNvPr id="3" name="Text Placeholder 2"/>
           <p:cNvSpPr>
             <a:spLocks noGrp="1"/>
           </p:cNvSpPr>
@@ -1539,8 +1359,8 @@
         </p:nvSpPr>
         <p:spPr>
           <a:xfrm>
-            <a:off x="839788" y="1681163"/>
-            <a:ext cx="5157787" cy="823912"/>
+            <a:off x="978332" y="1681163"/>
+            <a:ext cx="6008688" cy="823912"/>
           </a:xfrm>
         </p:spPr>
         <p:txBody>
@@ -1587,20 +1407,14 @@
             <a:pPr lvl="0"/>
             <a:r>
               <a:rPr lang="en-US"/>
-              <a:t>Click to edit Master text styles</a:t>
-            </a:r>
-          </a:p>
-        </p:txBody>
-      </p:sp>
-      <p:sp>
-        <p:nvSpPr>
-          <p:cNvPr id="4" name="Content Placeholder 3">
-            <a:extLst>
-              <a:ext uri="{FF2B5EF4-FFF2-40B4-BE49-F238E27FC236}">
-                <a16:creationId xmlns:a16="http://schemas.microsoft.com/office/drawing/2014/main" id="{FAEA08D6-41AE-9B4B-B812-41FC978CE73C}"/>
-              </a:ext>
-            </a:extLst>
-          </p:cNvPr>
+              <a:t>Edit Master text styles</a:t>
+            </a:r>
+          </a:p>
+        </p:txBody>
+      </p:sp>
+      <p:sp>
+        <p:nvSpPr>
+          <p:cNvPr id="4" name="Content Placeholder 3"/>
           <p:cNvSpPr>
             <a:spLocks noGrp="1"/>
           </p:cNvSpPr>
@@ -1610,8 +1424,8 @@
         </p:nvSpPr>
         <p:spPr>
           <a:xfrm>
-            <a:off x="839788" y="2505075"/>
-            <a:ext cx="5157787" cy="3684588"/>
+            <a:off x="978332" y="2505075"/>
+            <a:ext cx="6008688" cy="3684588"/>
           </a:xfrm>
         </p:spPr>
         <p:txBody>
@@ -1621,7 +1435,7 @@
             <a:pPr lvl="0"/>
             <a:r>
               <a:rPr lang="en-US"/>
-              <a:t>Click to edit Master text styles</a:t>
+              <a:t>Edit Master text styles</a:t>
             </a:r>
           </a:p>
           <a:p>
@@ -1651,18 +1465,13 @@
               <a:rPr lang="en-US"/>
               <a:t>Fifth level</a:t>
             </a:r>
-          </a:p>
-        </p:txBody>
-      </p:sp>
-      <p:sp>
-        <p:nvSpPr>
-          <p:cNvPr id="5" name="Text Placeholder 4">
-            <a:extLst>
-              <a:ext uri="{FF2B5EF4-FFF2-40B4-BE49-F238E27FC236}">
-                <a16:creationId xmlns:a16="http://schemas.microsoft.com/office/drawing/2014/main" id="{E4700722-0207-B94D-88AA-D81C53FC7541}"/>
-              </a:ext>
-            </a:extLst>
-          </p:cNvPr>
+            <a:endParaRPr lang="en-US" dirty="0"/>
+          </a:p>
+        </p:txBody>
+      </p:sp>
+      <p:sp>
+        <p:nvSpPr>
+          <p:cNvPr id="5" name="Text Placeholder 4"/>
           <p:cNvSpPr>
             <a:spLocks noGrp="1"/>
           </p:cNvSpPr>
@@ -1672,8 +1481,8 @@
         </p:nvSpPr>
         <p:spPr>
           <a:xfrm>
-            <a:off x="6172200" y="1681163"/>
-            <a:ext cx="5183188" cy="823912"/>
+            <a:off x="7190453" y="1681163"/>
+            <a:ext cx="6038279" cy="823912"/>
           </a:xfrm>
         </p:spPr>
         <p:txBody>
@@ -1720,20 +1529,14 @@
             <a:pPr lvl="0"/>
             <a:r>
               <a:rPr lang="en-US"/>
-              <a:t>Click to edit Master text styles</a:t>
-            </a:r>
-          </a:p>
-        </p:txBody>
-      </p:sp>
-      <p:sp>
-        <p:nvSpPr>
-          <p:cNvPr id="6" name="Content Placeholder 5">
-            <a:extLst>
-              <a:ext uri="{FF2B5EF4-FFF2-40B4-BE49-F238E27FC236}">
-                <a16:creationId xmlns:a16="http://schemas.microsoft.com/office/drawing/2014/main" id="{F04ECCB8-08D8-F648-8FAC-2D2D50496348}"/>
-              </a:ext>
-            </a:extLst>
-          </p:cNvPr>
+              <a:t>Edit Master text styles</a:t>
+            </a:r>
+          </a:p>
+        </p:txBody>
+      </p:sp>
+      <p:sp>
+        <p:nvSpPr>
+          <p:cNvPr id="6" name="Content Placeholder 5"/>
           <p:cNvSpPr>
             <a:spLocks noGrp="1"/>
           </p:cNvSpPr>
@@ -1743,8 +1546,8 @@
         </p:nvSpPr>
         <p:spPr>
           <a:xfrm>
-            <a:off x="6172200" y="2505075"/>
-            <a:ext cx="5183188" cy="3684588"/>
+            <a:off x="7190453" y="2505075"/>
+            <a:ext cx="6038279" cy="3684588"/>
           </a:xfrm>
         </p:spPr>
         <p:txBody>
@@ -1754,7 +1557,7 @@
             <a:pPr lvl="0"/>
             <a:r>
               <a:rPr lang="en-US"/>
-              <a:t>Click to edit Master text styles</a:t>
+              <a:t>Edit Master text styles</a:t>
             </a:r>
           </a:p>
           <a:p>
@@ -1784,18 +1587,13 @@
               <a:rPr lang="en-US"/>
               <a:t>Fifth level</a:t>
             </a:r>
-          </a:p>
-        </p:txBody>
-      </p:sp>
-      <p:sp>
-        <p:nvSpPr>
-          <p:cNvPr id="7" name="Date Placeholder 6">
-            <a:extLst>
-              <a:ext uri="{FF2B5EF4-FFF2-40B4-BE49-F238E27FC236}">
-                <a16:creationId xmlns:a16="http://schemas.microsoft.com/office/drawing/2014/main" id="{1BAFC40A-A99D-5B4B-8066-7FB1A349D5C1}"/>
-              </a:ext>
-            </a:extLst>
-          </p:cNvPr>
+            <a:endParaRPr lang="en-US" dirty="0"/>
+          </a:p>
+        </p:txBody>
+      </p:sp>
+      <p:sp>
+        <p:nvSpPr>
+          <p:cNvPr id="7" name="Date Placeholder 6"/>
           <p:cNvSpPr>
             <a:spLocks noGrp="1"/>
           </p:cNvSpPr>
@@ -1810,7 +1608,7 @@
           <a:p>
             <a:fld id="{809CB8F7-B3EF-8D4B-85D3-DBAD16A6069C}" type="datetimeFigureOut">
               <a:rPr lang="en-US" smtClean="0"/>
-              <a:t>12/15/21</a:t>
+              <a:t>1/24/22</a:t>
             </a:fld>
             <a:endParaRPr lang="en-US"/>
           </a:p>
@@ -1818,13 +1616,7 @@
       </p:sp>
       <p:sp>
         <p:nvSpPr>
-          <p:cNvPr id="8" name="Footer Placeholder 7">
-            <a:extLst>
-              <a:ext uri="{FF2B5EF4-FFF2-40B4-BE49-F238E27FC236}">
-                <a16:creationId xmlns:a16="http://schemas.microsoft.com/office/drawing/2014/main" id="{C1A531D3-15AA-3446-A3A9-049E731528C5}"/>
-              </a:ext>
-            </a:extLst>
-          </p:cNvPr>
+          <p:cNvPr id="8" name="Footer Placeholder 7"/>
           <p:cNvSpPr>
             <a:spLocks noGrp="1"/>
           </p:cNvSpPr>
@@ -1843,13 +1635,7 @@
       </p:sp>
       <p:sp>
         <p:nvSpPr>
-          <p:cNvPr id="9" name="Slide Number Placeholder 8">
-            <a:extLst>
-              <a:ext uri="{FF2B5EF4-FFF2-40B4-BE49-F238E27FC236}">
-                <a16:creationId xmlns:a16="http://schemas.microsoft.com/office/drawing/2014/main" id="{174D26F8-3294-CA40-BB6A-450AAB627BEF}"/>
-              </a:ext>
-            </a:extLst>
-          </p:cNvPr>
+          <p:cNvPr id="9" name="Slide Number Placeholder 8"/>
           <p:cNvSpPr>
             <a:spLocks noGrp="1"/>
           </p:cNvSpPr>
@@ -1873,7 +1659,7 @@
     </p:spTree>
     <p:extLst>
       <p:ext uri="{BB962C8B-B14F-4D97-AF65-F5344CB8AC3E}">
-        <p14:creationId xmlns:p14="http://schemas.microsoft.com/office/powerpoint/2010/main" val="279461911"/>
+        <p14:creationId xmlns:p14="http://schemas.microsoft.com/office/powerpoint/2010/main" val="2568526648"/>
       </p:ext>
     </p:extLst>
   </p:cSld>
@@ -1902,13 +1688,7 @@
       </p:grpSpPr>
       <p:sp>
         <p:nvSpPr>
-          <p:cNvPr id="2" name="Title 1">
-            <a:extLst>
-              <a:ext uri="{FF2B5EF4-FFF2-40B4-BE49-F238E27FC236}">
-                <a16:creationId xmlns:a16="http://schemas.microsoft.com/office/drawing/2014/main" id="{FBE7FF77-4B51-3742-A529-1E92BE0C385B}"/>
-              </a:ext>
-            </a:extLst>
-          </p:cNvPr>
+          <p:cNvPr id="2" name="Title 1"/>
           <p:cNvSpPr>
             <a:spLocks noGrp="1"/>
           </p:cNvSpPr>
@@ -1925,18 +1705,13 @@
               <a:rPr lang="en-US"/>
               <a:t>Click to edit Master title style</a:t>
             </a:r>
-          </a:p>
-        </p:txBody>
-      </p:sp>
-      <p:sp>
-        <p:nvSpPr>
-          <p:cNvPr id="3" name="Date Placeholder 2">
-            <a:extLst>
-              <a:ext uri="{FF2B5EF4-FFF2-40B4-BE49-F238E27FC236}">
-                <a16:creationId xmlns:a16="http://schemas.microsoft.com/office/drawing/2014/main" id="{DB872303-5A27-0648-8AE9-EBD767938340}"/>
-              </a:ext>
-            </a:extLst>
-          </p:cNvPr>
+            <a:endParaRPr lang="en-US" dirty="0"/>
+          </a:p>
+        </p:txBody>
+      </p:sp>
+      <p:sp>
+        <p:nvSpPr>
+          <p:cNvPr id="3" name="Date Placeholder 2"/>
           <p:cNvSpPr>
             <a:spLocks noGrp="1"/>
           </p:cNvSpPr>
@@ -1951,7 +1726,7 @@
           <a:p>
             <a:fld id="{809CB8F7-B3EF-8D4B-85D3-DBAD16A6069C}" type="datetimeFigureOut">
               <a:rPr lang="en-US" smtClean="0"/>
-              <a:t>12/15/21</a:t>
+              <a:t>1/24/22</a:t>
             </a:fld>
             <a:endParaRPr lang="en-US"/>
           </a:p>
@@ -1959,13 +1734,7 @@
       </p:sp>
       <p:sp>
         <p:nvSpPr>
-          <p:cNvPr id="4" name="Footer Placeholder 3">
-            <a:extLst>
-              <a:ext uri="{FF2B5EF4-FFF2-40B4-BE49-F238E27FC236}">
-                <a16:creationId xmlns:a16="http://schemas.microsoft.com/office/drawing/2014/main" id="{A6D79EE7-7F22-F540-8195-22CA52E04D2A}"/>
-              </a:ext>
-            </a:extLst>
-          </p:cNvPr>
+          <p:cNvPr id="4" name="Footer Placeholder 3"/>
           <p:cNvSpPr>
             <a:spLocks noGrp="1"/>
           </p:cNvSpPr>
@@ -1984,13 +1753,7 @@
       </p:sp>
       <p:sp>
         <p:nvSpPr>
-          <p:cNvPr id="5" name="Slide Number Placeholder 4">
-            <a:extLst>
-              <a:ext uri="{FF2B5EF4-FFF2-40B4-BE49-F238E27FC236}">
-                <a16:creationId xmlns:a16="http://schemas.microsoft.com/office/drawing/2014/main" id="{2A9A3024-E6C7-1B47-9ED6-EB20568AA179}"/>
-              </a:ext>
-            </a:extLst>
-          </p:cNvPr>
+          <p:cNvPr id="5" name="Slide Number Placeholder 4"/>
           <p:cNvSpPr>
             <a:spLocks noGrp="1"/>
           </p:cNvSpPr>
@@ -2014,7 +1777,7 @@
     </p:spTree>
     <p:extLst>
       <p:ext uri="{BB962C8B-B14F-4D97-AF65-F5344CB8AC3E}">
-        <p14:creationId xmlns:p14="http://schemas.microsoft.com/office/powerpoint/2010/main" val="3671446154"/>
+        <p14:creationId xmlns:p14="http://schemas.microsoft.com/office/powerpoint/2010/main" val="1515552856"/>
       </p:ext>
     </p:extLst>
   </p:cSld>
@@ -2043,13 +1806,7 @@
       </p:grpSpPr>
       <p:sp>
         <p:nvSpPr>
-          <p:cNvPr id="2" name="Date Placeholder 1">
-            <a:extLst>
-              <a:ext uri="{FF2B5EF4-FFF2-40B4-BE49-F238E27FC236}">
-                <a16:creationId xmlns:a16="http://schemas.microsoft.com/office/drawing/2014/main" id="{783FD9C7-4679-3E47-99DF-65C374395F79}"/>
-              </a:ext>
-            </a:extLst>
-          </p:cNvPr>
+          <p:cNvPr id="2" name="Date Placeholder 1"/>
           <p:cNvSpPr>
             <a:spLocks noGrp="1"/>
           </p:cNvSpPr>
@@ -2064,7 +1821,7 @@
           <a:p>
             <a:fld id="{809CB8F7-B3EF-8D4B-85D3-DBAD16A6069C}" type="datetimeFigureOut">
               <a:rPr lang="en-US" smtClean="0"/>
-              <a:t>12/15/21</a:t>
+              <a:t>1/24/22</a:t>
             </a:fld>
             <a:endParaRPr lang="en-US"/>
           </a:p>
@@ -2072,13 +1829,7 @@
       </p:sp>
       <p:sp>
         <p:nvSpPr>
-          <p:cNvPr id="3" name="Footer Placeholder 2">
-            <a:extLst>
-              <a:ext uri="{FF2B5EF4-FFF2-40B4-BE49-F238E27FC236}">
-                <a16:creationId xmlns:a16="http://schemas.microsoft.com/office/drawing/2014/main" id="{09AEDA96-97C0-8745-B207-DD929C4275DA}"/>
-              </a:ext>
-            </a:extLst>
-          </p:cNvPr>
+          <p:cNvPr id="3" name="Footer Placeholder 2"/>
           <p:cNvSpPr>
             <a:spLocks noGrp="1"/>
           </p:cNvSpPr>
@@ -2097,13 +1848,7 @@
       </p:sp>
       <p:sp>
         <p:nvSpPr>
-          <p:cNvPr id="4" name="Slide Number Placeholder 3">
-            <a:extLst>
-              <a:ext uri="{FF2B5EF4-FFF2-40B4-BE49-F238E27FC236}">
-                <a16:creationId xmlns:a16="http://schemas.microsoft.com/office/drawing/2014/main" id="{DCCA104E-20DD-E240-B41F-B3C99E3B27CB}"/>
-              </a:ext>
-            </a:extLst>
-          </p:cNvPr>
+          <p:cNvPr id="4" name="Slide Number Placeholder 3"/>
           <p:cNvSpPr>
             <a:spLocks noGrp="1"/>
           </p:cNvSpPr>
@@ -2127,7 +1872,7 @@
     </p:spTree>
     <p:extLst>
       <p:ext uri="{BB962C8B-B14F-4D97-AF65-F5344CB8AC3E}">
-        <p14:creationId xmlns:p14="http://schemas.microsoft.com/office/powerpoint/2010/main" val="3044140473"/>
+        <p14:creationId xmlns:p14="http://schemas.microsoft.com/office/powerpoint/2010/main" val="1751332422"/>
       </p:ext>
     </p:extLst>
   </p:cSld>
@@ -2156,13 +1901,7 @@
       </p:grpSpPr>
       <p:sp>
         <p:nvSpPr>
-          <p:cNvPr id="2" name="Title 1">
-            <a:extLst>
-              <a:ext uri="{FF2B5EF4-FFF2-40B4-BE49-F238E27FC236}">
-                <a16:creationId xmlns:a16="http://schemas.microsoft.com/office/drawing/2014/main" id="{A1132A4A-005E-0940-A555-F242892EF07C}"/>
-              </a:ext>
-            </a:extLst>
-          </p:cNvPr>
+          <p:cNvPr id="2" name="Title 1"/>
           <p:cNvSpPr>
             <a:spLocks noGrp="1"/>
           </p:cNvSpPr>
@@ -2172,8 +1911,8 @@
         </p:nvSpPr>
         <p:spPr>
           <a:xfrm>
-            <a:off x="839788" y="457200"/>
-            <a:ext cx="3932237" cy="1600200"/>
+            <a:off x="978332" y="457200"/>
+            <a:ext cx="4580954" cy="1600200"/>
           </a:xfrm>
         </p:spPr>
         <p:txBody>
@@ -2188,18 +1927,13 @@
               <a:rPr lang="en-US"/>
               <a:t>Click to edit Master title style</a:t>
             </a:r>
-          </a:p>
-        </p:txBody>
-      </p:sp>
-      <p:sp>
-        <p:nvSpPr>
-          <p:cNvPr id="3" name="Content Placeholder 2">
-            <a:extLst>
-              <a:ext uri="{FF2B5EF4-FFF2-40B4-BE49-F238E27FC236}">
-                <a16:creationId xmlns:a16="http://schemas.microsoft.com/office/drawing/2014/main" id="{999D9C42-2C67-154B-97B2-CE3CF7B604DA}"/>
-              </a:ext>
-            </a:extLst>
-          </p:cNvPr>
+            <a:endParaRPr lang="en-US" dirty="0"/>
+          </a:p>
+        </p:txBody>
+      </p:sp>
+      <p:sp>
+        <p:nvSpPr>
+          <p:cNvPr id="3" name="Content Placeholder 2"/>
           <p:cNvSpPr>
             <a:spLocks noGrp="1"/>
           </p:cNvSpPr>
@@ -2209,8 +1943,8 @@
         </p:nvSpPr>
         <p:spPr>
           <a:xfrm>
-            <a:off x="5183188" y="987425"/>
-            <a:ext cx="6172200" cy="4873625"/>
+            <a:off x="6038279" y="987426"/>
+            <a:ext cx="7190453" cy="4873625"/>
           </a:xfrm>
         </p:spPr>
         <p:txBody>
@@ -2248,7 +1982,7 @@
             <a:pPr lvl="0"/>
             <a:r>
               <a:rPr lang="en-US"/>
-              <a:t>Click to edit Master text styles</a:t>
+              <a:t>Edit Master text styles</a:t>
             </a:r>
           </a:p>
           <a:p>
@@ -2278,18 +2012,13 @@
               <a:rPr lang="en-US"/>
               <a:t>Fifth level</a:t>
             </a:r>
-          </a:p>
-        </p:txBody>
-      </p:sp>
-      <p:sp>
-        <p:nvSpPr>
-          <p:cNvPr id="4" name="Text Placeholder 3">
-            <a:extLst>
-              <a:ext uri="{FF2B5EF4-FFF2-40B4-BE49-F238E27FC236}">
-                <a16:creationId xmlns:a16="http://schemas.microsoft.com/office/drawing/2014/main" id="{8532634E-26BA-724C-BB2C-F02F7212DFE9}"/>
-              </a:ext>
-            </a:extLst>
-          </p:cNvPr>
+            <a:endParaRPr lang="en-US" dirty="0"/>
+          </a:p>
+        </p:txBody>
+      </p:sp>
+      <p:sp>
+        <p:nvSpPr>
+          <p:cNvPr id="4" name="Text Placeholder 3"/>
           <p:cNvSpPr>
             <a:spLocks noGrp="1"/>
           </p:cNvSpPr>
@@ -2299,8 +2028,8 @@
         </p:nvSpPr>
         <p:spPr>
           <a:xfrm>
-            <a:off x="839788" y="2057400"/>
-            <a:ext cx="3932237" cy="3811588"/>
+            <a:off x="978332" y="2057400"/>
+            <a:ext cx="4580954" cy="3811588"/>
           </a:xfrm>
         </p:spPr>
         <p:txBody>
@@ -2347,20 +2076,14 @@
             <a:pPr lvl="0"/>
             <a:r>
               <a:rPr lang="en-US"/>
-              <a:t>Click to edit Master text styles</a:t>
-            </a:r>
-          </a:p>
-        </p:txBody>
-      </p:sp>
-      <p:sp>
-        <p:nvSpPr>
-          <p:cNvPr id="5" name="Date Placeholder 4">
-            <a:extLst>
-              <a:ext uri="{FF2B5EF4-FFF2-40B4-BE49-F238E27FC236}">
-                <a16:creationId xmlns:a16="http://schemas.microsoft.com/office/drawing/2014/main" id="{67A0CD87-0DFD-794A-9F50-389C3843630B}"/>
-              </a:ext>
-            </a:extLst>
-          </p:cNvPr>
+              <a:t>Edit Master text styles</a:t>
+            </a:r>
+          </a:p>
+        </p:txBody>
+      </p:sp>
+      <p:sp>
+        <p:nvSpPr>
+          <p:cNvPr id="5" name="Date Placeholder 4"/>
           <p:cNvSpPr>
             <a:spLocks noGrp="1"/>
           </p:cNvSpPr>
@@ -2375,7 +2098,7 @@
           <a:p>
             <a:fld id="{809CB8F7-B3EF-8D4B-85D3-DBAD16A6069C}" type="datetimeFigureOut">
               <a:rPr lang="en-US" smtClean="0"/>
-              <a:t>12/15/21</a:t>
+              <a:t>1/24/22</a:t>
             </a:fld>
             <a:endParaRPr lang="en-US"/>
           </a:p>
@@ -2383,13 +2106,7 @@
       </p:sp>
       <p:sp>
         <p:nvSpPr>
-          <p:cNvPr id="6" name="Footer Placeholder 5">
-            <a:extLst>
-              <a:ext uri="{FF2B5EF4-FFF2-40B4-BE49-F238E27FC236}">
-                <a16:creationId xmlns:a16="http://schemas.microsoft.com/office/drawing/2014/main" id="{F76CA185-2B6C-8541-AC0F-8AC33FF55384}"/>
-              </a:ext>
-            </a:extLst>
-          </p:cNvPr>
+          <p:cNvPr id="6" name="Footer Placeholder 5"/>
           <p:cNvSpPr>
             <a:spLocks noGrp="1"/>
           </p:cNvSpPr>
@@ -2408,13 +2125,7 @@
       </p:sp>
       <p:sp>
         <p:nvSpPr>
-          <p:cNvPr id="7" name="Slide Number Placeholder 6">
-            <a:extLst>
-              <a:ext uri="{FF2B5EF4-FFF2-40B4-BE49-F238E27FC236}">
-                <a16:creationId xmlns:a16="http://schemas.microsoft.com/office/drawing/2014/main" id="{0F12A8A1-971D-234B-A770-B11C4FA8AE95}"/>
-              </a:ext>
-            </a:extLst>
-          </p:cNvPr>
+          <p:cNvPr id="7" name="Slide Number Placeholder 6"/>
           <p:cNvSpPr>
             <a:spLocks noGrp="1"/>
           </p:cNvSpPr>
@@ -2438,7 +2149,7 @@
     </p:spTree>
     <p:extLst>
       <p:ext uri="{BB962C8B-B14F-4D97-AF65-F5344CB8AC3E}">
-        <p14:creationId xmlns:p14="http://schemas.microsoft.com/office/powerpoint/2010/main" val="3098952040"/>
+        <p14:creationId xmlns:p14="http://schemas.microsoft.com/office/powerpoint/2010/main" val="3560582876"/>
       </p:ext>
     </p:extLst>
   </p:cSld>
@@ -2467,13 +2178,7 @@
       </p:grpSpPr>
       <p:sp>
         <p:nvSpPr>
-          <p:cNvPr id="2" name="Title 1">
-            <a:extLst>
-              <a:ext uri="{FF2B5EF4-FFF2-40B4-BE49-F238E27FC236}">
-                <a16:creationId xmlns:a16="http://schemas.microsoft.com/office/drawing/2014/main" id="{17541599-31DE-904F-AD4F-64E43244854E}"/>
-              </a:ext>
-            </a:extLst>
-          </p:cNvPr>
+          <p:cNvPr id="2" name="Title 1"/>
           <p:cNvSpPr>
             <a:spLocks noGrp="1"/>
           </p:cNvSpPr>
@@ -2483,8 +2188,8 @@
         </p:nvSpPr>
         <p:spPr>
           <a:xfrm>
-            <a:off x="839788" y="457200"/>
-            <a:ext cx="3932237" cy="1600200"/>
+            <a:off x="978332" y="457200"/>
+            <a:ext cx="4580954" cy="1600200"/>
           </a:xfrm>
         </p:spPr>
         <p:txBody>
@@ -2499,20 +2204,15 @@
               <a:rPr lang="en-US"/>
               <a:t>Click to edit Master title style</a:t>
             </a:r>
-          </a:p>
-        </p:txBody>
-      </p:sp>
-      <p:sp>
-        <p:nvSpPr>
-          <p:cNvPr id="3" name="Picture Placeholder 2">
-            <a:extLst>
-              <a:ext uri="{FF2B5EF4-FFF2-40B4-BE49-F238E27FC236}">
-                <a16:creationId xmlns:a16="http://schemas.microsoft.com/office/drawing/2014/main" id="{7DC51028-F797-7149-9178-451042794BFC}"/>
-              </a:ext>
-            </a:extLst>
-          </p:cNvPr>
-          <p:cNvSpPr>
-            <a:spLocks noGrp="1"/>
+            <a:endParaRPr lang="en-US" dirty="0"/>
+          </a:p>
+        </p:txBody>
+      </p:sp>
+      <p:sp>
+        <p:nvSpPr>
+          <p:cNvPr id="3" name="Picture Placeholder 2"/>
+          <p:cNvSpPr>
+            <a:spLocks noGrp="1" noChangeAspect="1"/>
           </p:cNvSpPr>
           <p:nvPr>
             <p:ph type="pic" idx="1"/>
@@ -2520,12 +2220,12 @@
         </p:nvSpPr>
         <p:spPr>
           <a:xfrm>
-            <a:off x="5183188" y="987425"/>
-            <a:ext cx="6172200" cy="4873625"/>
+            <a:off x="6038279" y="987426"/>
+            <a:ext cx="7190453" cy="4873625"/>
           </a:xfrm>
         </p:spPr>
         <p:txBody>
-          <a:bodyPr/>
+          <a:bodyPr anchor="t"/>
           <a:lstStyle>
             <a:lvl1pPr marL="0" indent="0">
               <a:buNone/>
@@ -2565,19 +2265,17 @@
             </a:lvl9pPr>
           </a:lstStyle>
           <a:p>
-            <a:endParaRPr lang="en-US"/>
-          </a:p>
-        </p:txBody>
-      </p:sp>
-      <p:sp>
-        <p:nvSpPr>
-          <p:cNvPr id="4" name="Text Placeholder 3">
-            <a:extLst>
-              <a:ext uri="{FF2B5EF4-FFF2-40B4-BE49-F238E27FC236}">
-                <a16:creationId xmlns:a16="http://schemas.microsoft.com/office/drawing/2014/main" id="{847121C6-D801-4343-8EB1-384C16B8E778}"/>
-              </a:ext>
-            </a:extLst>
-          </p:cNvPr>
+            <a:r>
+              <a:rPr lang="en-US"/>
+              <a:t>Click icon to add picture</a:t>
+            </a:r>
+            <a:endParaRPr lang="en-US" dirty="0"/>
+          </a:p>
+        </p:txBody>
+      </p:sp>
+      <p:sp>
+        <p:nvSpPr>
+          <p:cNvPr id="4" name="Text Placeholder 3"/>
           <p:cNvSpPr>
             <a:spLocks noGrp="1"/>
           </p:cNvSpPr>
@@ -2587,8 +2285,8 @@
         </p:nvSpPr>
         <p:spPr>
           <a:xfrm>
-            <a:off x="839788" y="2057400"/>
-            <a:ext cx="3932237" cy="3811588"/>
+            <a:off x="978332" y="2057400"/>
+            <a:ext cx="4580954" cy="3811588"/>
           </a:xfrm>
         </p:spPr>
         <p:txBody>
@@ -2635,20 +2333,14 @@
             <a:pPr lvl="0"/>
             <a:r>
               <a:rPr lang="en-US"/>
-              <a:t>Click to edit Master text styles</a:t>
-            </a:r>
-          </a:p>
-        </p:txBody>
-      </p:sp>
-      <p:sp>
-        <p:nvSpPr>
-          <p:cNvPr id="5" name="Date Placeholder 4">
-            <a:extLst>
-              <a:ext uri="{FF2B5EF4-FFF2-40B4-BE49-F238E27FC236}">
-                <a16:creationId xmlns:a16="http://schemas.microsoft.com/office/drawing/2014/main" id="{3FEA75DC-AA2F-6D4D-8149-94960B30B1CF}"/>
-              </a:ext>
-            </a:extLst>
-          </p:cNvPr>
+              <a:t>Edit Master text styles</a:t>
+            </a:r>
+          </a:p>
+        </p:txBody>
+      </p:sp>
+      <p:sp>
+        <p:nvSpPr>
+          <p:cNvPr id="5" name="Date Placeholder 4"/>
           <p:cNvSpPr>
             <a:spLocks noGrp="1"/>
           </p:cNvSpPr>
@@ -2663,7 +2355,7 @@
           <a:p>
             <a:fld id="{809CB8F7-B3EF-8D4B-85D3-DBAD16A6069C}" type="datetimeFigureOut">
               <a:rPr lang="en-US" smtClean="0"/>
-              <a:t>12/15/21</a:t>
+              <a:t>1/24/22</a:t>
             </a:fld>
             <a:endParaRPr lang="en-US"/>
           </a:p>
@@ -2671,13 +2363,7 @@
       </p:sp>
       <p:sp>
         <p:nvSpPr>
-          <p:cNvPr id="6" name="Footer Placeholder 5">
-            <a:extLst>
-              <a:ext uri="{FF2B5EF4-FFF2-40B4-BE49-F238E27FC236}">
-                <a16:creationId xmlns:a16="http://schemas.microsoft.com/office/drawing/2014/main" id="{E5636171-C3A0-2343-9143-D4B96D945EE6}"/>
-              </a:ext>
-            </a:extLst>
-          </p:cNvPr>
+          <p:cNvPr id="6" name="Footer Placeholder 5"/>
           <p:cNvSpPr>
             <a:spLocks noGrp="1"/>
           </p:cNvSpPr>
@@ -2696,13 +2382,7 @@
       </p:sp>
       <p:sp>
         <p:nvSpPr>
-          <p:cNvPr id="7" name="Slide Number Placeholder 6">
-            <a:extLst>
-              <a:ext uri="{FF2B5EF4-FFF2-40B4-BE49-F238E27FC236}">
-                <a16:creationId xmlns:a16="http://schemas.microsoft.com/office/drawing/2014/main" id="{0CC76DB0-55FC-0B4F-A83C-918F45E74F5E}"/>
-              </a:ext>
-            </a:extLst>
-          </p:cNvPr>
+          <p:cNvPr id="7" name="Slide Number Placeholder 6"/>
           <p:cNvSpPr>
             <a:spLocks noGrp="1"/>
           </p:cNvSpPr>
@@ -2726,7 +2406,7 @@
     </p:spTree>
     <p:extLst>
       <p:ext uri="{BB962C8B-B14F-4D97-AF65-F5344CB8AC3E}">
-        <p14:creationId xmlns:p14="http://schemas.microsoft.com/office/powerpoint/2010/main" val="3153440355"/>
+        <p14:creationId xmlns:p14="http://schemas.microsoft.com/office/powerpoint/2010/main" val="1147588881"/>
       </p:ext>
     </p:extLst>
   </p:cSld>
@@ -2760,13 +2440,7 @@
       </p:grpSpPr>
       <p:sp>
         <p:nvSpPr>
-          <p:cNvPr id="2" name="Title Placeholder 1">
-            <a:extLst>
-              <a:ext uri="{FF2B5EF4-FFF2-40B4-BE49-F238E27FC236}">
-                <a16:creationId xmlns:a16="http://schemas.microsoft.com/office/drawing/2014/main" id="{64B8DDBC-76A0-BF4F-BFB0-87BD771A1229}"/>
-              </a:ext>
-            </a:extLst>
-          </p:cNvPr>
+          <p:cNvPr id="2" name="Title Placeholder 1"/>
           <p:cNvSpPr>
             <a:spLocks noGrp="1"/>
           </p:cNvSpPr>
@@ -2776,8 +2450,8 @@
         </p:nvSpPr>
         <p:spPr>
           <a:xfrm>
-            <a:off x="838200" y="365125"/>
-            <a:ext cx="10515600" cy="1325563"/>
+            <a:off x="976481" y="365126"/>
+            <a:ext cx="12250401" cy="1325563"/>
           </a:xfrm>
           <a:prstGeom prst="rect">
             <a:avLst/>
@@ -2793,18 +2467,13 @@
               <a:rPr lang="en-US"/>
               <a:t>Click to edit Master title style</a:t>
             </a:r>
-          </a:p>
-        </p:txBody>
-      </p:sp>
-      <p:sp>
-        <p:nvSpPr>
-          <p:cNvPr id="3" name="Text Placeholder 2">
-            <a:extLst>
-              <a:ext uri="{FF2B5EF4-FFF2-40B4-BE49-F238E27FC236}">
-                <a16:creationId xmlns:a16="http://schemas.microsoft.com/office/drawing/2014/main" id="{D0079378-3516-A84D-86C7-3417703B1C4F}"/>
-              </a:ext>
-            </a:extLst>
-          </p:cNvPr>
+            <a:endParaRPr lang="en-US" dirty="0"/>
+          </a:p>
+        </p:txBody>
+      </p:sp>
+      <p:sp>
+        <p:nvSpPr>
+          <p:cNvPr id="3" name="Text Placeholder 2"/>
           <p:cNvSpPr>
             <a:spLocks noGrp="1"/>
           </p:cNvSpPr>
@@ -2814,8 +2483,8 @@
         </p:nvSpPr>
         <p:spPr>
           <a:xfrm>
-            <a:off x="838200" y="1825625"/>
-            <a:ext cx="10515600" cy="4351338"/>
+            <a:off x="976481" y="1825625"/>
+            <a:ext cx="12250401" cy="4351338"/>
           </a:xfrm>
           <a:prstGeom prst="rect">
             <a:avLst/>
@@ -2830,7 +2499,7 @@
             <a:pPr lvl="0"/>
             <a:r>
               <a:rPr lang="en-US"/>
-              <a:t>Click to edit Master text styles</a:t>
+              <a:t>Edit Master text styles</a:t>
             </a:r>
           </a:p>
           <a:p>
@@ -2860,18 +2529,13 @@
               <a:rPr lang="en-US"/>
               <a:t>Fifth level</a:t>
             </a:r>
-          </a:p>
-        </p:txBody>
-      </p:sp>
-      <p:sp>
-        <p:nvSpPr>
-          <p:cNvPr id="4" name="Date Placeholder 3">
-            <a:extLst>
-              <a:ext uri="{FF2B5EF4-FFF2-40B4-BE49-F238E27FC236}">
-                <a16:creationId xmlns:a16="http://schemas.microsoft.com/office/drawing/2014/main" id="{C88B6EB6-BA2E-7246-A8AB-C42F6C11DBD5}"/>
-              </a:ext>
-            </a:extLst>
-          </p:cNvPr>
+            <a:endParaRPr lang="en-US" dirty="0"/>
+          </a:p>
+        </p:txBody>
+      </p:sp>
+      <p:sp>
+        <p:nvSpPr>
+          <p:cNvPr id="4" name="Date Placeholder 3"/>
           <p:cNvSpPr>
             <a:spLocks noGrp="1"/>
           </p:cNvSpPr>
@@ -2881,8 +2545,8 @@
         </p:nvSpPr>
         <p:spPr>
           <a:xfrm>
-            <a:off x="838200" y="6356350"/>
-            <a:ext cx="2743200" cy="365125"/>
+            <a:off x="976481" y="6356351"/>
+            <a:ext cx="3195757" cy="365125"/>
           </a:xfrm>
           <a:prstGeom prst="rect">
             <a:avLst/>
@@ -2904,7 +2568,7 @@
           <a:p>
             <a:fld id="{809CB8F7-B3EF-8D4B-85D3-DBAD16A6069C}" type="datetimeFigureOut">
               <a:rPr lang="en-US" smtClean="0"/>
-              <a:t>12/15/21</a:t>
+              <a:t>1/24/22</a:t>
             </a:fld>
             <a:endParaRPr lang="en-US"/>
           </a:p>
@@ -2912,13 +2576,7 @@
       </p:sp>
       <p:sp>
         <p:nvSpPr>
-          <p:cNvPr id="5" name="Footer Placeholder 4">
-            <a:extLst>
-              <a:ext uri="{FF2B5EF4-FFF2-40B4-BE49-F238E27FC236}">
-                <a16:creationId xmlns:a16="http://schemas.microsoft.com/office/drawing/2014/main" id="{BB3E26F2-9A03-834A-B1D4-0AADD7909158}"/>
-              </a:ext>
-            </a:extLst>
-          </p:cNvPr>
+          <p:cNvPr id="5" name="Footer Placeholder 4"/>
           <p:cNvSpPr>
             <a:spLocks noGrp="1"/>
           </p:cNvSpPr>
@@ -2928,8 +2586,8 @@
         </p:nvSpPr>
         <p:spPr>
           <a:xfrm>
-            <a:off x="4038600" y="6356350"/>
-            <a:ext cx="4114800" cy="365125"/>
+            <a:off x="4704864" y="6356351"/>
+            <a:ext cx="4793635" cy="365125"/>
           </a:xfrm>
           <a:prstGeom prst="rect">
             <a:avLst/>
@@ -2955,13 +2613,7 @@
       </p:sp>
       <p:sp>
         <p:nvSpPr>
-          <p:cNvPr id="6" name="Slide Number Placeholder 5">
-            <a:extLst>
-              <a:ext uri="{FF2B5EF4-FFF2-40B4-BE49-F238E27FC236}">
-                <a16:creationId xmlns:a16="http://schemas.microsoft.com/office/drawing/2014/main" id="{10B8481D-D0CD-E34A-9ACE-D972E33AA53D}"/>
-              </a:ext>
-            </a:extLst>
-          </p:cNvPr>
+          <p:cNvPr id="6" name="Slide Number Placeholder 5"/>
           <p:cNvSpPr>
             <a:spLocks noGrp="1"/>
           </p:cNvSpPr>
@@ -2971,8 +2623,8 @@
         </p:nvSpPr>
         <p:spPr>
           <a:xfrm>
-            <a:off x="8610600" y="6356350"/>
-            <a:ext cx="2743200" cy="365125"/>
+            <a:off x="10031125" y="6356351"/>
+            <a:ext cx="3195757" cy="365125"/>
           </a:xfrm>
           <a:prstGeom prst="rect">
             <a:avLst/>
@@ -3003,23 +2655,23 @@
     </p:spTree>
     <p:extLst>
       <p:ext uri="{BB962C8B-B14F-4D97-AF65-F5344CB8AC3E}">
-        <p14:creationId xmlns:p14="http://schemas.microsoft.com/office/powerpoint/2010/main" val="410174561"/>
+        <p14:creationId xmlns:p14="http://schemas.microsoft.com/office/powerpoint/2010/main" val="3318359921"/>
       </p:ext>
     </p:extLst>
   </p:cSld>
   <p:clrMap bg1="lt1" tx1="dk1" bg2="lt2" tx2="dk2" accent1="accent1" accent2="accent2" accent3="accent3" accent4="accent4" accent5="accent5" accent6="accent6" hlink="hlink" folHlink="folHlink"/>
   <p:sldLayoutIdLst>
-    <p:sldLayoutId id="2147483649" r:id="rId1"/>
-    <p:sldLayoutId id="2147483650" r:id="rId2"/>
-    <p:sldLayoutId id="2147483651" r:id="rId3"/>
-    <p:sldLayoutId id="2147483652" r:id="rId4"/>
-    <p:sldLayoutId id="2147483653" r:id="rId5"/>
-    <p:sldLayoutId id="2147483654" r:id="rId6"/>
-    <p:sldLayoutId id="2147483655" r:id="rId7"/>
-    <p:sldLayoutId id="2147483656" r:id="rId8"/>
-    <p:sldLayoutId id="2147483657" r:id="rId9"/>
-    <p:sldLayoutId id="2147483658" r:id="rId10"/>
-    <p:sldLayoutId id="2147483659" r:id="rId11"/>
+    <p:sldLayoutId id="2147483661" r:id="rId1"/>
+    <p:sldLayoutId id="2147483662" r:id="rId2"/>
+    <p:sldLayoutId id="2147483663" r:id="rId3"/>
+    <p:sldLayoutId id="2147483664" r:id="rId4"/>
+    <p:sldLayoutId id="2147483665" r:id="rId5"/>
+    <p:sldLayoutId id="2147483666" r:id="rId6"/>
+    <p:sldLayoutId id="2147483667" r:id="rId7"/>
+    <p:sldLayoutId id="2147483668" r:id="rId8"/>
+    <p:sldLayoutId id="2147483669" r:id="rId9"/>
+    <p:sldLayoutId id="2147483670" r:id="rId10"/>
+    <p:sldLayoutId id="2147483671" r:id="rId11"/>
   </p:sldLayoutIdLst>
   <p:txStyles>
     <p:titleStyle>
@@ -3329,160 +2981,6 @@
           <a:chExt cx="0" cy="0"/>
         </a:xfrm>
       </p:grpSpPr>
-      <p:sp useBgFill="1">
-        <p:nvSpPr>
-          <p:cNvPr id="18" name="Rectangle 11">
-            <a:extLst>
-              <a:ext uri="{FF2B5EF4-FFF2-40B4-BE49-F238E27FC236}">
-                <a16:creationId xmlns:a16="http://schemas.microsoft.com/office/drawing/2014/main" id="{11BE3FA7-0D70-4431-814F-D8C40576EA93}"/>
-              </a:ext>
-              <a:ext uri="{C183D7F6-B498-43B3-948B-1728B52AA6E4}">
-                <adec:decorative xmlns:adec="http://schemas.microsoft.com/office/drawing/2017/decorative" val="1"/>
-              </a:ext>
-            </a:extLst>
-          </p:cNvPr>
-          <p:cNvSpPr>
-            <a:spLocks noGrp="1" noRot="1" noChangeAspect="1" noMove="1" noResize="1" noEditPoints="1" noAdjustHandles="1" noChangeArrowheads="1" noChangeShapeType="1" noTextEdit="1"/>
-          </p:cNvSpPr>
-          <p:nvPr>
-            <p:extLst>
-              <p:ext uri="{386F3935-93C4-4BCD-93E2-E3B085C9AB24}">
-                <p16:designElem xmlns:p16="http://schemas.microsoft.com/office/powerpoint/2015/main" val="1"/>
-              </p:ext>
-            </p:extLst>
-          </p:nvPr>
-        </p:nvSpPr>
-        <p:spPr bwMode="white">
-          <a:xfrm>
-            <a:off x="1524" y="0"/>
-            <a:ext cx="12188952" cy="6858000"/>
-          </a:xfrm>
-          <a:prstGeom prst="rect">
-            <a:avLst/>
-          </a:prstGeom>
-          <a:ln>
-            <a:noFill/>
-          </a:ln>
-        </p:spPr>
-        <p:style>
-          <a:lnRef idx="2">
-            <a:schemeClr val="accent1">
-              <a:shade val="50000"/>
-            </a:schemeClr>
-          </a:lnRef>
-          <a:fillRef idx="1">
-            <a:schemeClr val="accent1"/>
-          </a:fillRef>
-          <a:effectRef idx="0">
-            <a:schemeClr val="accent1"/>
-          </a:effectRef>
-          <a:fontRef idx="minor">
-            <a:schemeClr val="lt1"/>
-          </a:fontRef>
-        </p:style>
-        <p:txBody>
-          <a:bodyPr rtlCol="0" anchor="ctr"/>
-          <a:lstStyle>
-            <a:defPPr>
-              <a:defRPr lang="en-US"/>
-            </a:defPPr>
-            <a:lvl1pPr marL="0" algn="l" defTabSz="914400" rtl="0" eaLnBrk="1" latinLnBrk="0" hangingPunct="1">
-              <a:defRPr sz="1800" kern="1200">
-                <a:solidFill>
-                  <a:schemeClr val="lt1"/>
-                </a:solidFill>
-                <a:latin typeface="+mn-lt"/>
-                <a:ea typeface="+mn-ea"/>
-                <a:cs typeface="+mn-cs"/>
-              </a:defRPr>
-            </a:lvl1pPr>
-            <a:lvl2pPr marL="457200" algn="l" defTabSz="914400" rtl="0" eaLnBrk="1" latinLnBrk="0" hangingPunct="1">
-              <a:defRPr sz="1800" kern="1200">
-                <a:solidFill>
-                  <a:schemeClr val="lt1"/>
-                </a:solidFill>
-                <a:latin typeface="+mn-lt"/>
-                <a:ea typeface="+mn-ea"/>
-                <a:cs typeface="+mn-cs"/>
-              </a:defRPr>
-            </a:lvl2pPr>
-            <a:lvl3pPr marL="914400" algn="l" defTabSz="914400" rtl="0" eaLnBrk="1" latinLnBrk="0" hangingPunct="1">
-              <a:defRPr sz="1800" kern="1200">
-                <a:solidFill>
-                  <a:schemeClr val="lt1"/>
-                </a:solidFill>
-                <a:latin typeface="+mn-lt"/>
-                <a:ea typeface="+mn-ea"/>
-                <a:cs typeface="+mn-cs"/>
-              </a:defRPr>
-            </a:lvl3pPr>
-            <a:lvl4pPr marL="1371600" algn="l" defTabSz="914400" rtl="0" eaLnBrk="1" latinLnBrk="0" hangingPunct="1">
-              <a:defRPr sz="1800" kern="1200">
-                <a:solidFill>
-                  <a:schemeClr val="lt1"/>
-                </a:solidFill>
-                <a:latin typeface="+mn-lt"/>
-                <a:ea typeface="+mn-ea"/>
-                <a:cs typeface="+mn-cs"/>
-              </a:defRPr>
-            </a:lvl4pPr>
-            <a:lvl5pPr marL="1828800" algn="l" defTabSz="914400" rtl="0" eaLnBrk="1" latinLnBrk="0" hangingPunct="1">
-              <a:defRPr sz="1800" kern="1200">
-                <a:solidFill>
-                  <a:schemeClr val="lt1"/>
-                </a:solidFill>
-                <a:latin typeface="+mn-lt"/>
-                <a:ea typeface="+mn-ea"/>
-                <a:cs typeface="+mn-cs"/>
-              </a:defRPr>
-            </a:lvl5pPr>
-            <a:lvl6pPr marL="2286000" algn="l" defTabSz="914400" rtl="0" eaLnBrk="1" latinLnBrk="0" hangingPunct="1">
-              <a:defRPr sz="1800" kern="1200">
-                <a:solidFill>
-                  <a:schemeClr val="lt1"/>
-                </a:solidFill>
-                <a:latin typeface="+mn-lt"/>
-                <a:ea typeface="+mn-ea"/>
-                <a:cs typeface="+mn-cs"/>
-              </a:defRPr>
-            </a:lvl6pPr>
-            <a:lvl7pPr marL="2743200" algn="l" defTabSz="914400" rtl="0" eaLnBrk="1" latinLnBrk="0" hangingPunct="1">
-              <a:defRPr sz="1800" kern="1200">
-                <a:solidFill>
-                  <a:schemeClr val="lt1"/>
-                </a:solidFill>
-                <a:latin typeface="+mn-lt"/>
-                <a:ea typeface="+mn-ea"/>
-                <a:cs typeface="+mn-cs"/>
-              </a:defRPr>
-            </a:lvl7pPr>
-            <a:lvl8pPr marL="3200400" algn="l" defTabSz="914400" rtl="0" eaLnBrk="1" latinLnBrk="0" hangingPunct="1">
-              <a:defRPr sz="1800" kern="1200">
-                <a:solidFill>
-                  <a:schemeClr val="lt1"/>
-                </a:solidFill>
-                <a:latin typeface="+mn-lt"/>
-                <a:ea typeface="+mn-ea"/>
-                <a:cs typeface="+mn-cs"/>
-              </a:defRPr>
-            </a:lvl8pPr>
-            <a:lvl9pPr marL="3657600" algn="l" defTabSz="914400" rtl="0" eaLnBrk="1" latinLnBrk="0" hangingPunct="1">
-              <a:defRPr sz="1800" kern="1200">
-                <a:solidFill>
-                  <a:schemeClr val="lt1"/>
-                </a:solidFill>
-                <a:latin typeface="+mn-lt"/>
-                <a:ea typeface="+mn-ea"/>
-                <a:cs typeface="+mn-cs"/>
-              </a:defRPr>
-            </a:lvl9pPr>
-          </a:lstStyle>
-          <a:p>
-            <a:pPr algn="ctr"/>
-            <a:endParaRPr lang="en-US"/>
-          </a:p>
-        </p:txBody>
-      </p:sp>
       <p:pic>
         <p:nvPicPr>
           <p:cNvPr id="5" name="Picture 4">
@@ -3504,37 +3002,8 @@
         </p:blipFill>
         <p:spPr>
           <a:xfrm>
-            <a:off x="11767" y="557190"/>
+            <a:off x="1017448" y="557190"/>
             <a:ext cx="5668684" cy="6107082"/>
-          </a:xfrm>
-          <a:prstGeom prst="rect">
-            <a:avLst/>
-          </a:prstGeom>
-        </p:spPr>
-      </p:pic>
-      <p:pic>
-        <p:nvPicPr>
-          <p:cNvPr id="7" name="Picture 6">
-            <a:extLst>
-              <a:ext uri="{FF2B5EF4-FFF2-40B4-BE49-F238E27FC236}">
-                <a16:creationId xmlns:a16="http://schemas.microsoft.com/office/drawing/2014/main" id="{ED564C02-4685-7B4E-8AA7-8A0012B45121}"/>
-              </a:ext>
-            </a:extLst>
-          </p:cNvPr>
-          <p:cNvPicPr>
-            <a:picLocks noChangeAspect="1"/>
-          </p:cNvPicPr>
-          <p:nvPr/>
-        </p:nvPicPr>
-        <p:blipFill rotWithShape="1">
-          <a:blip r:embed="rId3"/>
-          <a:srcRect l="1" r="-3286" b="-5"/>
-          <a:stretch/>
-        </p:blipFill>
-        <p:spPr>
-          <a:xfrm>
-            <a:off x="6000658" y="557189"/>
-            <a:ext cx="6335995" cy="5743618"/>
           </a:xfrm>
           <a:prstGeom prst="rect">
             <a:avLst/>
@@ -3555,7 +3024,7 @@
         </p:nvSpPr>
         <p:spPr>
           <a:xfrm>
-            <a:off x="216983" y="1055761"/>
+            <a:off x="1222665" y="1055762"/>
             <a:ext cx="619933" cy="461665"/>
           </a:xfrm>
           <a:prstGeom prst="rect">
@@ -3576,6 +3045,36 @@
           </a:p>
         </p:txBody>
       </p:sp>
+      <p:pic>
+        <p:nvPicPr>
+          <p:cNvPr id="6" name="Picture 5">
+            <a:extLst>
+              <a:ext uri="{FF2B5EF4-FFF2-40B4-BE49-F238E27FC236}">
+                <a16:creationId xmlns:a16="http://schemas.microsoft.com/office/drawing/2014/main" id="{9352CBD2-A094-9C40-A0C6-4978B56A55DD}"/>
+              </a:ext>
+            </a:extLst>
+          </p:cNvPr>
+          <p:cNvPicPr>
+            <a:picLocks noChangeAspect="1"/>
+          </p:cNvPicPr>
+          <p:nvPr/>
+        </p:nvPicPr>
+        <p:blipFill>
+          <a:blip r:embed="rId3"/>
+          <a:stretch>
+            <a:fillRect/>
+          </a:stretch>
+        </p:blipFill>
+        <p:spPr>
+          <a:xfrm>
+            <a:off x="6754712" y="495220"/>
+            <a:ext cx="7269898" cy="5942980"/>
+          </a:xfrm>
+          <a:prstGeom prst="rect">
+            <a:avLst/>
+          </a:prstGeom>
+        </p:spPr>
+      </p:pic>
       <p:sp>
         <p:nvSpPr>
           <p:cNvPr id="15" name="TextBox 14">
@@ -3590,7 +3089,7 @@
         </p:nvSpPr>
         <p:spPr>
           <a:xfrm>
-            <a:off x="7529595" y="1164247"/>
+            <a:off x="6786487" y="1055762"/>
             <a:ext cx="619933" cy="461665"/>
           </a:xfrm>
           <a:prstGeom prst="rect">
@@ -3627,7 +3126,7 @@
 <file path=ppt/theme/theme1.xml><?xml version="1.0" encoding="utf-8"?>
 <a:theme xmlns:a="http://schemas.openxmlformats.org/drawingml/2006/main" name="Office Theme">
   <a:themeElements>
-    <a:clrScheme name="Office">
+    <a:clrScheme name="Office Theme">
       <a:dk1>
         <a:sysClr val="windowText" lastClr="000000"/>
       </a:dk1>
@@ -3665,7 +3164,7 @@
         <a:srgbClr val="954F72"/>
       </a:folHlink>
     </a:clrScheme>
-    <a:fontScheme name="Office">
+    <a:fontScheme name="Office Theme">
       <a:majorFont>
         <a:latin typeface="Calibri Light" panose="020F0302020204030204"/>
         <a:ea typeface=""/>
@@ -3700,23 +3199,6 @@
         <a:font script="Viet" typeface="Times New Roman"/>
         <a:font script="Uigh" typeface="Microsoft Uighur"/>
         <a:font script="Geor" typeface="Sylfaen"/>
-        <a:font script="Armn" typeface="Arial"/>
-        <a:font script="Bugi" typeface="Leelawadee UI"/>
-        <a:font script="Bopo" typeface="Microsoft JhengHei"/>
-        <a:font script="Java" typeface="Javanese Text"/>
-        <a:font script="Lisu" typeface="Segoe UI"/>
-        <a:font script="Mymr" typeface="Myanmar Text"/>
-        <a:font script="Nkoo" typeface="Ebrima"/>
-        <a:font script="Olck" typeface="Nirmala UI"/>
-        <a:font script="Osma" typeface="Ebrima"/>
-        <a:font script="Phag" typeface="Phagspa"/>
-        <a:font script="Syrn" typeface="Estrangelo Edessa"/>
-        <a:font script="Syrj" typeface="Estrangelo Edessa"/>
-        <a:font script="Syre" typeface="Estrangelo Edessa"/>
-        <a:font script="Sora" typeface="Nirmala UI"/>
-        <a:font script="Tale" typeface="Microsoft Tai Le"/>
-        <a:font script="Talu" typeface="Microsoft New Tai Lue"/>
-        <a:font script="Tfng" typeface="Ebrima"/>
       </a:majorFont>
       <a:minorFont>
         <a:latin typeface="Calibri" panose="020F0502020204030204"/>
@@ -3752,26 +3234,9 @@
         <a:font script="Viet" typeface="Arial"/>
         <a:font script="Uigh" typeface="Microsoft Uighur"/>
         <a:font script="Geor" typeface="Sylfaen"/>
-        <a:font script="Armn" typeface="Arial"/>
-        <a:font script="Bugi" typeface="Leelawadee UI"/>
-        <a:font script="Bopo" typeface="Microsoft JhengHei"/>
-        <a:font script="Java" typeface="Javanese Text"/>
-        <a:font script="Lisu" typeface="Segoe UI"/>
-        <a:font script="Mymr" typeface="Myanmar Text"/>
-        <a:font script="Nkoo" typeface="Ebrima"/>
-        <a:font script="Olck" typeface="Nirmala UI"/>
-        <a:font script="Osma" typeface="Ebrima"/>
-        <a:font script="Phag" typeface="Phagspa"/>
-        <a:font script="Syrn" typeface="Estrangelo Edessa"/>
-        <a:font script="Syrj" typeface="Estrangelo Edessa"/>
-        <a:font script="Syre" typeface="Estrangelo Edessa"/>
-        <a:font script="Sora" typeface="Nirmala UI"/>
-        <a:font script="Tale" typeface="Microsoft Tai Le"/>
-        <a:font script="Talu" typeface="Microsoft New Tai Lue"/>
-        <a:font script="Tfng" typeface="Ebrima"/>
       </a:minorFont>
     </a:fontScheme>
-    <a:fmtScheme name="Office">
+    <a:fmtScheme name="Office Theme">
       <a:fillStyleLst>
         <a:solidFill>
           <a:schemeClr val="phClr"/>

--- a/output/figures/feature_weights_groupcorr.pptx
+++ b/output/figures/feature_weights_groupcorr.pptx
@@ -2,12 +2,13 @@
 <file path=ppt/presentation.xml><?xml version="1.0" encoding="utf-8"?>
 <p:presentation xmlns:a="http://schemas.openxmlformats.org/drawingml/2006/main" xmlns:r="http://schemas.openxmlformats.org/officeDocument/2006/relationships" xmlns:p="http://schemas.openxmlformats.org/presentationml/2006/main" saveSubsetFonts="1" autoCompressPictures="0">
   <p:sldMasterIdLst>
-    <p:sldMasterId id="2147483660" r:id="rId1"/>
+    <p:sldMasterId id="2147483672" r:id="rId1"/>
   </p:sldMasterIdLst>
   <p:sldIdLst>
     <p:sldId id="256" r:id="rId2"/>
+    <p:sldId id="257" r:id="rId3"/>
   </p:sldIdLst>
-  <p:sldSz cx="14203363" cy="6858000"/>
+  <p:sldSz cx="16854488" cy="6858000"/>
   <p:notesSz cx="6858000" cy="9144000"/>
   <p:defaultTextStyle>
     <a:defPPr>
@@ -141,8 +142,8 @@
         </p:nvSpPr>
         <p:spPr>
           <a:xfrm>
-            <a:off x="1775421" y="1122363"/>
-            <a:ext cx="10652522" cy="2387600"/>
+            <a:off x="2106811" y="1122363"/>
+            <a:ext cx="12640866" cy="2387600"/>
           </a:xfrm>
         </p:spPr>
         <p:txBody>
@@ -173,8 +174,8 @@
         </p:nvSpPr>
         <p:spPr>
           <a:xfrm>
-            <a:off x="1775421" y="3602038"/>
-            <a:ext cx="10652522" cy="1655762"/>
+            <a:off x="2106811" y="3602038"/>
+            <a:ext cx="12640866" cy="1655762"/>
           </a:xfrm>
         </p:spPr>
         <p:txBody>
@@ -243,7 +244,7 @@
           <a:p>
             <a:fld id="{809CB8F7-B3EF-8D4B-85D3-DBAD16A6069C}" type="datetimeFigureOut">
               <a:rPr lang="en-US" smtClean="0"/>
-              <a:t>1/24/22</a:t>
+              <a:t>1/26/22</a:t>
             </a:fld>
             <a:endParaRPr lang="en-US"/>
           </a:p>
@@ -294,7 +295,7 @@
     </p:spTree>
     <p:extLst>
       <p:ext uri="{BB962C8B-B14F-4D97-AF65-F5344CB8AC3E}">
-        <p14:creationId xmlns:p14="http://schemas.microsoft.com/office/powerpoint/2010/main" val="4100542366"/>
+        <p14:creationId xmlns:p14="http://schemas.microsoft.com/office/powerpoint/2010/main" val="1823015707"/>
       </p:ext>
     </p:extLst>
   </p:cSld>
@@ -413,7 +414,7 @@
           <a:p>
             <a:fld id="{809CB8F7-B3EF-8D4B-85D3-DBAD16A6069C}" type="datetimeFigureOut">
               <a:rPr lang="en-US" smtClean="0"/>
-              <a:t>1/24/22</a:t>
+              <a:t>1/26/22</a:t>
             </a:fld>
             <a:endParaRPr lang="en-US"/>
           </a:p>
@@ -464,7 +465,7 @@
     </p:spTree>
     <p:extLst>
       <p:ext uri="{BB962C8B-B14F-4D97-AF65-F5344CB8AC3E}">
-        <p14:creationId xmlns:p14="http://schemas.microsoft.com/office/powerpoint/2010/main" val="998557648"/>
+        <p14:creationId xmlns:p14="http://schemas.microsoft.com/office/powerpoint/2010/main" val="381438538"/>
       </p:ext>
     </p:extLst>
   </p:cSld>
@@ -503,8 +504,8 @@
         </p:nvSpPr>
         <p:spPr>
           <a:xfrm>
-            <a:off x="10164282" y="365125"/>
-            <a:ext cx="3062600" cy="5811838"/>
+            <a:off x="12061493" y="365125"/>
+            <a:ext cx="3634249" cy="5811838"/>
           </a:xfrm>
         </p:spPr>
         <p:txBody>
@@ -531,8 +532,8 @@
         </p:nvSpPr>
         <p:spPr>
           <a:xfrm>
-            <a:off x="976481" y="365125"/>
-            <a:ext cx="9010258" cy="5811838"/>
+            <a:off x="1158746" y="365125"/>
+            <a:ext cx="10692066" cy="5811838"/>
           </a:xfrm>
         </p:spPr>
         <p:txBody>
@@ -593,7 +594,7 @@
           <a:p>
             <a:fld id="{809CB8F7-B3EF-8D4B-85D3-DBAD16A6069C}" type="datetimeFigureOut">
               <a:rPr lang="en-US" smtClean="0"/>
-              <a:t>1/24/22</a:t>
+              <a:t>1/26/22</a:t>
             </a:fld>
             <a:endParaRPr lang="en-US"/>
           </a:p>
@@ -644,7 +645,7 @@
     </p:spTree>
     <p:extLst>
       <p:ext uri="{BB962C8B-B14F-4D97-AF65-F5344CB8AC3E}">
-        <p14:creationId xmlns:p14="http://schemas.microsoft.com/office/powerpoint/2010/main" val="2481557144"/>
+        <p14:creationId xmlns:p14="http://schemas.microsoft.com/office/powerpoint/2010/main" val="2731959964"/>
       </p:ext>
     </p:extLst>
   </p:cSld>
@@ -763,7 +764,7 @@
           <a:p>
             <a:fld id="{809CB8F7-B3EF-8D4B-85D3-DBAD16A6069C}" type="datetimeFigureOut">
               <a:rPr lang="en-US" smtClean="0"/>
-              <a:t>1/24/22</a:t>
+              <a:t>1/26/22</a:t>
             </a:fld>
             <a:endParaRPr lang="en-US"/>
           </a:p>
@@ -814,7 +815,7 @@
     </p:spTree>
     <p:extLst>
       <p:ext uri="{BB962C8B-B14F-4D97-AF65-F5344CB8AC3E}">
-        <p14:creationId xmlns:p14="http://schemas.microsoft.com/office/powerpoint/2010/main" val="2846064104"/>
+        <p14:creationId xmlns:p14="http://schemas.microsoft.com/office/powerpoint/2010/main" val="1876272788"/>
       </p:ext>
     </p:extLst>
   </p:cSld>
@@ -853,8 +854,8 @@
         </p:nvSpPr>
         <p:spPr>
           <a:xfrm>
-            <a:off x="969083" y="1709739"/>
-            <a:ext cx="12250401" cy="2852737"/>
+            <a:off x="1149968" y="1709739"/>
+            <a:ext cx="14536996" cy="2852737"/>
           </a:xfrm>
         </p:spPr>
         <p:txBody>
@@ -885,8 +886,8 @@
         </p:nvSpPr>
         <p:spPr>
           <a:xfrm>
-            <a:off x="969083" y="4589464"/>
-            <a:ext cx="12250401" cy="1500187"/>
+            <a:off x="1149968" y="4589464"/>
+            <a:ext cx="14536996" cy="1500187"/>
           </a:xfrm>
         </p:spPr>
         <p:txBody>
@@ -1009,7 +1010,7 @@
           <a:p>
             <a:fld id="{809CB8F7-B3EF-8D4B-85D3-DBAD16A6069C}" type="datetimeFigureOut">
               <a:rPr lang="en-US" smtClean="0"/>
-              <a:t>1/24/22</a:t>
+              <a:t>1/26/22</a:t>
             </a:fld>
             <a:endParaRPr lang="en-US"/>
           </a:p>
@@ -1060,7 +1061,7 @@
     </p:spTree>
     <p:extLst>
       <p:ext uri="{BB962C8B-B14F-4D97-AF65-F5344CB8AC3E}">
-        <p14:creationId xmlns:p14="http://schemas.microsoft.com/office/powerpoint/2010/main" val="595761133"/>
+        <p14:creationId xmlns:p14="http://schemas.microsoft.com/office/powerpoint/2010/main" val="3034612515"/>
       </p:ext>
     </p:extLst>
   </p:cSld>
@@ -1122,8 +1123,8 @@
         </p:nvSpPr>
         <p:spPr>
           <a:xfrm>
-            <a:off x="976481" y="1825625"/>
-            <a:ext cx="6036429" cy="4351338"/>
+            <a:off x="1158746" y="1825625"/>
+            <a:ext cx="7163157" cy="4351338"/>
           </a:xfrm>
         </p:spPr>
         <p:txBody>
@@ -1179,8 +1180,8 @@
         </p:nvSpPr>
         <p:spPr>
           <a:xfrm>
-            <a:off x="7190453" y="1825625"/>
-            <a:ext cx="6036429" cy="4351338"/>
+            <a:off x="8532585" y="1825625"/>
+            <a:ext cx="7163157" cy="4351338"/>
           </a:xfrm>
         </p:spPr>
         <p:txBody>
@@ -1241,7 +1242,7 @@
           <a:p>
             <a:fld id="{809CB8F7-B3EF-8D4B-85D3-DBAD16A6069C}" type="datetimeFigureOut">
               <a:rPr lang="en-US" smtClean="0"/>
-              <a:t>1/24/22</a:t>
+              <a:t>1/26/22</a:t>
             </a:fld>
             <a:endParaRPr lang="en-US"/>
           </a:p>
@@ -1292,7 +1293,7 @@
     </p:spTree>
     <p:extLst>
       <p:ext uri="{BB962C8B-B14F-4D97-AF65-F5344CB8AC3E}">
-        <p14:creationId xmlns:p14="http://schemas.microsoft.com/office/powerpoint/2010/main" val="2088833743"/>
+        <p14:creationId xmlns:p14="http://schemas.microsoft.com/office/powerpoint/2010/main" val="904233725"/>
       </p:ext>
     </p:extLst>
   </p:cSld>
@@ -1331,8 +1332,8 @@
         </p:nvSpPr>
         <p:spPr>
           <a:xfrm>
-            <a:off x="978331" y="365126"/>
-            <a:ext cx="12250401" cy="1325563"/>
+            <a:off x="1160941" y="365126"/>
+            <a:ext cx="14536996" cy="1325563"/>
           </a:xfrm>
         </p:spPr>
         <p:txBody>
@@ -1359,8 +1360,8 @@
         </p:nvSpPr>
         <p:spPr>
           <a:xfrm>
-            <a:off x="978332" y="1681163"/>
-            <a:ext cx="6008688" cy="823912"/>
+            <a:off x="1160942" y="1681163"/>
+            <a:ext cx="7130238" cy="823912"/>
           </a:xfrm>
         </p:spPr>
         <p:txBody>
@@ -1424,8 +1425,8 @@
         </p:nvSpPr>
         <p:spPr>
           <a:xfrm>
-            <a:off x="978332" y="2505075"/>
-            <a:ext cx="6008688" cy="3684588"/>
+            <a:off x="1160942" y="2505075"/>
+            <a:ext cx="7130238" cy="3684588"/>
           </a:xfrm>
         </p:spPr>
         <p:txBody>
@@ -1481,8 +1482,8 @@
         </p:nvSpPr>
         <p:spPr>
           <a:xfrm>
-            <a:off x="7190453" y="1681163"/>
-            <a:ext cx="6038279" cy="823912"/>
+            <a:off x="8532584" y="1681163"/>
+            <a:ext cx="7165353" cy="823912"/>
           </a:xfrm>
         </p:spPr>
         <p:txBody>
@@ -1546,8 +1547,8 @@
         </p:nvSpPr>
         <p:spPr>
           <a:xfrm>
-            <a:off x="7190453" y="2505075"/>
-            <a:ext cx="6038279" cy="3684588"/>
+            <a:off x="8532584" y="2505075"/>
+            <a:ext cx="7165353" cy="3684588"/>
           </a:xfrm>
         </p:spPr>
         <p:txBody>
@@ -1608,7 +1609,7 @@
           <a:p>
             <a:fld id="{809CB8F7-B3EF-8D4B-85D3-DBAD16A6069C}" type="datetimeFigureOut">
               <a:rPr lang="en-US" smtClean="0"/>
-              <a:t>1/24/22</a:t>
+              <a:t>1/26/22</a:t>
             </a:fld>
             <a:endParaRPr lang="en-US"/>
           </a:p>
@@ -1659,7 +1660,7 @@
     </p:spTree>
     <p:extLst>
       <p:ext uri="{BB962C8B-B14F-4D97-AF65-F5344CB8AC3E}">
-        <p14:creationId xmlns:p14="http://schemas.microsoft.com/office/powerpoint/2010/main" val="2568526648"/>
+        <p14:creationId xmlns:p14="http://schemas.microsoft.com/office/powerpoint/2010/main" val="1519396058"/>
       </p:ext>
     </p:extLst>
   </p:cSld>
@@ -1726,7 +1727,7 @@
           <a:p>
             <a:fld id="{809CB8F7-B3EF-8D4B-85D3-DBAD16A6069C}" type="datetimeFigureOut">
               <a:rPr lang="en-US" smtClean="0"/>
-              <a:t>1/24/22</a:t>
+              <a:t>1/26/22</a:t>
             </a:fld>
             <a:endParaRPr lang="en-US"/>
           </a:p>
@@ -1777,7 +1778,7 @@
     </p:spTree>
     <p:extLst>
       <p:ext uri="{BB962C8B-B14F-4D97-AF65-F5344CB8AC3E}">
-        <p14:creationId xmlns:p14="http://schemas.microsoft.com/office/powerpoint/2010/main" val="1515552856"/>
+        <p14:creationId xmlns:p14="http://schemas.microsoft.com/office/powerpoint/2010/main" val="254076633"/>
       </p:ext>
     </p:extLst>
   </p:cSld>
@@ -1821,7 +1822,7 @@
           <a:p>
             <a:fld id="{809CB8F7-B3EF-8D4B-85D3-DBAD16A6069C}" type="datetimeFigureOut">
               <a:rPr lang="en-US" smtClean="0"/>
-              <a:t>1/24/22</a:t>
+              <a:t>1/26/22</a:t>
             </a:fld>
             <a:endParaRPr lang="en-US"/>
           </a:p>
@@ -1872,7 +1873,7 @@
     </p:spTree>
     <p:extLst>
       <p:ext uri="{BB962C8B-B14F-4D97-AF65-F5344CB8AC3E}">
-        <p14:creationId xmlns:p14="http://schemas.microsoft.com/office/powerpoint/2010/main" val="1751332422"/>
+        <p14:creationId xmlns:p14="http://schemas.microsoft.com/office/powerpoint/2010/main" val="1157841365"/>
       </p:ext>
     </p:extLst>
   </p:cSld>
@@ -1911,8 +1912,8 @@
         </p:nvSpPr>
         <p:spPr>
           <a:xfrm>
-            <a:off x="978332" y="457200"/>
-            <a:ext cx="4580954" cy="1600200"/>
+            <a:off x="1160942" y="457200"/>
+            <a:ext cx="5436011" cy="1600200"/>
           </a:xfrm>
         </p:spPr>
         <p:txBody>
@@ -1943,8 +1944,8 @@
         </p:nvSpPr>
         <p:spPr>
           <a:xfrm>
-            <a:off x="6038279" y="987426"/>
-            <a:ext cx="7190453" cy="4873625"/>
+            <a:off x="7165352" y="987426"/>
+            <a:ext cx="8532585" cy="4873625"/>
           </a:xfrm>
         </p:spPr>
         <p:txBody>
@@ -2028,8 +2029,8 @@
         </p:nvSpPr>
         <p:spPr>
           <a:xfrm>
-            <a:off x="978332" y="2057400"/>
-            <a:ext cx="4580954" cy="3811588"/>
+            <a:off x="1160942" y="2057400"/>
+            <a:ext cx="5436011" cy="3811588"/>
           </a:xfrm>
         </p:spPr>
         <p:txBody>
@@ -2098,7 +2099,7 @@
           <a:p>
             <a:fld id="{809CB8F7-B3EF-8D4B-85D3-DBAD16A6069C}" type="datetimeFigureOut">
               <a:rPr lang="en-US" smtClean="0"/>
-              <a:t>1/24/22</a:t>
+              <a:t>1/26/22</a:t>
             </a:fld>
             <a:endParaRPr lang="en-US"/>
           </a:p>
@@ -2149,7 +2150,7 @@
     </p:spTree>
     <p:extLst>
       <p:ext uri="{BB962C8B-B14F-4D97-AF65-F5344CB8AC3E}">
-        <p14:creationId xmlns:p14="http://schemas.microsoft.com/office/powerpoint/2010/main" val="3560582876"/>
+        <p14:creationId xmlns:p14="http://schemas.microsoft.com/office/powerpoint/2010/main" val="382281743"/>
       </p:ext>
     </p:extLst>
   </p:cSld>
@@ -2188,8 +2189,8 @@
         </p:nvSpPr>
         <p:spPr>
           <a:xfrm>
-            <a:off x="978332" y="457200"/>
-            <a:ext cx="4580954" cy="1600200"/>
+            <a:off x="1160942" y="457200"/>
+            <a:ext cx="5436011" cy="1600200"/>
           </a:xfrm>
         </p:spPr>
         <p:txBody>
@@ -2220,8 +2221,8 @@
         </p:nvSpPr>
         <p:spPr>
           <a:xfrm>
-            <a:off x="6038279" y="987426"/>
-            <a:ext cx="7190453" cy="4873625"/>
+            <a:off x="7165352" y="987426"/>
+            <a:ext cx="8532585" cy="4873625"/>
           </a:xfrm>
         </p:spPr>
         <p:txBody>
@@ -2285,8 +2286,8 @@
         </p:nvSpPr>
         <p:spPr>
           <a:xfrm>
-            <a:off x="978332" y="2057400"/>
-            <a:ext cx="4580954" cy="3811588"/>
+            <a:off x="1160942" y="2057400"/>
+            <a:ext cx="5436011" cy="3811588"/>
           </a:xfrm>
         </p:spPr>
         <p:txBody>
@@ -2355,7 +2356,7 @@
           <a:p>
             <a:fld id="{809CB8F7-B3EF-8D4B-85D3-DBAD16A6069C}" type="datetimeFigureOut">
               <a:rPr lang="en-US" smtClean="0"/>
-              <a:t>1/24/22</a:t>
+              <a:t>1/26/22</a:t>
             </a:fld>
             <a:endParaRPr lang="en-US"/>
           </a:p>
@@ -2406,7 +2407,7 @@
     </p:spTree>
     <p:extLst>
       <p:ext uri="{BB962C8B-B14F-4D97-AF65-F5344CB8AC3E}">
-        <p14:creationId xmlns:p14="http://schemas.microsoft.com/office/powerpoint/2010/main" val="1147588881"/>
+        <p14:creationId xmlns:p14="http://schemas.microsoft.com/office/powerpoint/2010/main" val="2609229931"/>
       </p:ext>
     </p:extLst>
   </p:cSld>
@@ -2450,8 +2451,8 @@
         </p:nvSpPr>
         <p:spPr>
           <a:xfrm>
-            <a:off x="976481" y="365126"/>
-            <a:ext cx="12250401" cy="1325563"/>
+            <a:off x="1158746" y="365126"/>
+            <a:ext cx="14536996" cy="1325563"/>
           </a:xfrm>
           <a:prstGeom prst="rect">
             <a:avLst/>
@@ -2483,8 +2484,8 @@
         </p:nvSpPr>
         <p:spPr>
           <a:xfrm>
-            <a:off x="976481" y="1825625"/>
-            <a:ext cx="12250401" cy="4351338"/>
+            <a:off x="1158746" y="1825625"/>
+            <a:ext cx="14536996" cy="4351338"/>
           </a:xfrm>
           <a:prstGeom prst="rect">
             <a:avLst/>
@@ -2545,8 +2546,8 @@
         </p:nvSpPr>
         <p:spPr>
           <a:xfrm>
-            <a:off x="976481" y="6356351"/>
-            <a:ext cx="3195757" cy="365125"/>
+            <a:off x="1158746" y="6356351"/>
+            <a:ext cx="3792260" cy="365125"/>
           </a:xfrm>
           <a:prstGeom prst="rect">
             <a:avLst/>
@@ -2568,7 +2569,7 @@
           <a:p>
             <a:fld id="{809CB8F7-B3EF-8D4B-85D3-DBAD16A6069C}" type="datetimeFigureOut">
               <a:rPr lang="en-US" smtClean="0"/>
-              <a:t>1/24/22</a:t>
+              <a:t>1/26/22</a:t>
             </a:fld>
             <a:endParaRPr lang="en-US"/>
           </a:p>
@@ -2586,8 +2587,8 @@
         </p:nvSpPr>
         <p:spPr>
           <a:xfrm>
-            <a:off x="4704864" y="6356351"/>
-            <a:ext cx="4793635" cy="365125"/>
+            <a:off x="5583049" y="6356351"/>
+            <a:ext cx="5688390" cy="365125"/>
           </a:xfrm>
           <a:prstGeom prst="rect">
             <a:avLst/>
@@ -2623,8 +2624,8 @@
         </p:nvSpPr>
         <p:spPr>
           <a:xfrm>
-            <a:off x="10031125" y="6356351"/>
-            <a:ext cx="3195757" cy="365125"/>
+            <a:off x="11903482" y="6356351"/>
+            <a:ext cx="3792260" cy="365125"/>
           </a:xfrm>
           <a:prstGeom prst="rect">
             <a:avLst/>
@@ -2655,23 +2656,23 @@
     </p:spTree>
     <p:extLst>
       <p:ext uri="{BB962C8B-B14F-4D97-AF65-F5344CB8AC3E}">
-        <p14:creationId xmlns:p14="http://schemas.microsoft.com/office/powerpoint/2010/main" val="3318359921"/>
+        <p14:creationId xmlns:p14="http://schemas.microsoft.com/office/powerpoint/2010/main" val="2909747871"/>
       </p:ext>
     </p:extLst>
   </p:cSld>
   <p:clrMap bg1="lt1" tx1="dk1" bg2="lt2" tx2="dk2" accent1="accent1" accent2="accent2" accent3="accent3" accent4="accent4" accent5="accent5" accent6="accent6" hlink="hlink" folHlink="folHlink"/>
   <p:sldLayoutIdLst>
-    <p:sldLayoutId id="2147483661" r:id="rId1"/>
-    <p:sldLayoutId id="2147483662" r:id="rId2"/>
-    <p:sldLayoutId id="2147483663" r:id="rId3"/>
-    <p:sldLayoutId id="2147483664" r:id="rId4"/>
-    <p:sldLayoutId id="2147483665" r:id="rId5"/>
-    <p:sldLayoutId id="2147483666" r:id="rId6"/>
-    <p:sldLayoutId id="2147483667" r:id="rId7"/>
-    <p:sldLayoutId id="2147483668" r:id="rId8"/>
-    <p:sldLayoutId id="2147483669" r:id="rId9"/>
-    <p:sldLayoutId id="2147483670" r:id="rId10"/>
-    <p:sldLayoutId id="2147483671" r:id="rId11"/>
+    <p:sldLayoutId id="2147483673" r:id="rId1"/>
+    <p:sldLayoutId id="2147483674" r:id="rId2"/>
+    <p:sldLayoutId id="2147483675" r:id="rId3"/>
+    <p:sldLayoutId id="2147483676" r:id="rId4"/>
+    <p:sldLayoutId id="2147483677" r:id="rId5"/>
+    <p:sldLayoutId id="2147483678" r:id="rId6"/>
+    <p:sldLayoutId id="2147483679" r:id="rId7"/>
+    <p:sldLayoutId id="2147483680" r:id="rId8"/>
+    <p:sldLayoutId id="2147483681" r:id="rId9"/>
+    <p:sldLayoutId id="2147483682" r:id="rId10"/>
+    <p:sldLayoutId id="2147483683" r:id="rId11"/>
   </p:sldLayoutIdLst>
   <p:txStyles>
     <p:titleStyle>
@@ -3002,7 +3003,7 @@
         </p:blipFill>
         <p:spPr>
           <a:xfrm>
-            <a:off x="1017448" y="557190"/>
+            <a:off x="2343011" y="557190"/>
             <a:ext cx="5668684" cy="6107082"/>
           </a:xfrm>
           <a:prstGeom prst="rect">
@@ -3024,7 +3025,7 @@
         </p:nvSpPr>
         <p:spPr>
           <a:xfrm>
-            <a:off x="1222665" y="1055762"/>
+            <a:off x="2548229" y="1055763"/>
             <a:ext cx="619933" cy="461665"/>
           </a:xfrm>
           <a:prstGeom prst="rect">
@@ -3067,7 +3068,7 @@
         </p:blipFill>
         <p:spPr>
           <a:xfrm>
-            <a:off x="6754712" y="495220"/>
+            <a:off x="8080275" y="495220"/>
             <a:ext cx="7269898" cy="5942980"/>
           </a:xfrm>
           <a:prstGeom prst="rect">
@@ -3089,7 +3090,7 @@
         </p:nvSpPr>
         <p:spPr>
           <a:xfrm>
-            <a:off x="6786487" y="1055762"/>
+            <a:off x="8112051" y="1055763"/>
             <a:ext cx="619933" cy="461665"/>
           </a:xfrm>
           <a:prstGeom prst="rect">
@@ -3114,6 +3115,167 @@
     <p:extLst>
       <p:ext uri="{BB962C8B-B14F-4D97-AF65-F5344CB8AC3E}">
         <p14:creationId xmlns:p14="http://schemas.microsoft.com/office/powerpoint/2010/main" val="760807917"/>
+      </p:ext>
+    </p:extLst>
+  </p:cSld>
+  <p:clrMapOvr>
+    <a:masterClrMapping/>
+  </p:clrMapOvr>
+</p:sld>
+</file>
+
+<file path=ppt/slides/slide2.xml><?xml version="1.0" encoding="utf-8"?>
+<p:sld xmlns:a="http://schemas.openxmlformats.org/drawingml/2006/main" xmlns:r="http://schemas.openxmlformats.org/officeDocument/2006/relationships" xmlns:p="http://schemas.openxmlformats.org/presentationml/2006/main">
+  <p:cSld>
+    <p:spTree>
+      <p:nvGrpSpPr>
+        <p:cNvPr id="1" name=""/>
+        <p:cNvGrpSpPr/>
+        <p:nvPr/>
+      </p:nvGrpSpPr>
+      <p:grpSpPr>
+        <a:xfrm>
+          <a:off x="0" y="0"/>
+          <a:ext cx="0" cy="0"/>
+          <a:chOff x="0" y="0"/>
+          <a:chExt cx="0" cy="0"/>
+        </a:xfrm>
+      </p:grpSpPr>
+      <p:pic>
+        <p:nvPicPr>
+          <p:cNvPr id="5" name="Picture 4">
+            <a:extLst>
+              <a:ext uri="{FF2B5EF4-FFF2-40B4-BE49-F238E27FC236}">
+                <a16:creationId xmlns:a16="http://schemas.microsoft.com/office/drawing/2014/main" id="{0F697F61-E0DD-004B-9D90-9B38F9F39DDD}"/>
+              </a:ext>
+            </a:extLst>
+          </p:cNvPr>
+          <p:cNvPicPr>
+            <a:picLocks noChangeAspect="1"/>
+          </p:cNvPicPr>
+          <p:nvPr/>
+        </p:nvPicPr>
+        <p:blipFill>
+          <a:blip r:embed="rId2"/>
+          <a:stretch>
+            <a:fillRect/>
+          </a:stretch>
+        </p:blipFill>
+        <p:spPr>
+          <a:xfrm>
+            <a:off x="998824" y="0"/>
+            <a:ext cx="6831521" cy="6858000"/>
+          </a:xfrm>
+          <a:prstGeom prst="rect">
+            <a:avLst/>
+          </a:prstGeom>
+        </p:spPr>
+      </p:pic>
+      <p:sp>
+        <p:nvSpPr>
+          <p:cNvPr id="10" name="TextBox 9">
+            <a:extLst>
+              <a:ext uri="{FF2B5EF4-FFF2-40B4-BE49-F238E27FC236}">
+                <a16:creationId xmlns:a16="http://schemas.microsoft.com/office/drawing/2014/main" id="{1C3B652F-2002-B74F-BDBD-4D26FB165D41}"/>
+              </a:ext>
+            </a:extLst>
+          </p:cNvPr>
+          <p:cNvSpPr txBox="1"/>
+          <p:nvPr/>
+        </p:nvSpPr>
+        <p:spPr>
+          <a:xfrm>
+            <a:off x="998824" y="357808"/>
+            <a:ext cx="503582" cy="646331"/>
+          </a:xfrm>
+          <a:prstGeom prst="rect">
+            <a:avLst/>
+          </a:prstGeom>
+          <a:noFill/>
+        </p:spPr>
+        <p:txBody>
+          <a:bodyPr wrap="square" rtlCol="0">
+            <a:spAutoFit/>
+          </a:bodyPr>
+          <a:lstStyle/>
+          <a:p>
+            <a:r>
+              <a:rPr lang="en-US" sz="3600" dirty="0"/>
+              <a:t>a</a:t>
+            </a:r>
+            <a:endParaRPr lang="en-US" dirty="0"/>
+          </a:p>
+        </p:txBody>
+      </p:sp>
+      <p:sp>
+        <p:nvSpPr>
+          <p:cNvPr id="11" name="TextBox 10">
+            <a:extLst>
+              <a:ext uri="{FF2B5EF4-FFF2-40B4-BE49-F238E27FC236}">
+                <a16:creationId xmlns:a16="http://schemas.microsoft.com/office/drawing/2014/main" id="{5905D7C6-E43F-DA4A-8BD3-FB0080C300CB}"/>
+              </a:ext>
+            </a:extLst>
+          </p:cNvPr>
+          <p:cNvSpPr txBox="1"/>
+          <p:nvPr/>
+        </p:nvSpPr>
+        <p:spPr>
+          <a:xfrm>
+            <a:off x="8041860" y="357808"/>
+            <a:ext cx="503582" cy="646331"/>
+          </a:xfrm>
+          <a:prstGeom prst="rect">
+            <a:avLst/>
+          </a:prstGeom>
+          <a:noFill/>
+        </p:spPr>
+        <p:txBody>
+          <a:bodyPr wrap="square" rtlCol="0">
+            <a:spAutoFit/>
+          </a:bodyPr>
+          <a:lstStyle/>
+          <a:p>
+            <a:r>
+              <a:rPr lang="en-US" sz="3600" dirty="0"/>
+              <a:t>b</a:t>
+            </a:r>
+            <a:endParaRPr lang="en-US" dirty="0"/>
+          </a:p>
+        </p:txBody>
+      </p:sp>
+      <p:pic>
+        <p:nvPicPr>
+          <p:cNvPr id="13" name="Picture 12">
+            <a:extLst>
+              <a:ext uri="{FF2B5EF4-FFF2-40B4-BE49-F238E27FC236}">
+                <a16:creationId xmlns:a16="http://schemas.microsoft.com/office/drawing/2014/main" id="{E26ABE7A-129B-D647-A3DF-F2859534B5E4}"/>
+              </a:ext>
+            </a:extLst>
+          </p:cNvPr>
+          <p:cNvPicPr>
+            <a:picLocks noChangeAspect="1"/>
+          </p:cNvPicPr>
+          <p:nvPr/>
+        </p:nvPicPr>
+        <p:blipFill rotWithShape="1">
+          <a:blip r:embed="rId3"/>
+          <a:srcRect t="12754"/>
+          <a:stretch/>
+        </p:blipFill>
+        <p:spPr>
+          <a:xfrm>
+            <a:off x="8041860" y="874642"/>
+            <a:ext cx="8446365" cy="5983357"/>
+          </a:xfrm>
+          <a:prstGeom prst="rect">
+            <a:avLst/>
+          </a:prstGeom>
+        </p:spPr>
+      </p:pic>
+    </p:spTree>
+    <p:extLst>
+      <p:ext uri="{BB962C8B-B14F-4D97-AF65-F5344CB8AC3E}">
+        <p14:creationId xmlns:p14="http://schemas.microsoft.com/office/powerpoint/2010/main" val="3521138853"/>
       </p:ext>
     </p:extLst>
   </p:cSld>
